--- a/Programe/Java/JMM/AQS.pptx
+++ b/Programe/Java/JMM/AQS.pptx
@@ -7,6 +7,8 @@
   <p:sldIdLst>
     <p:sldId id="257" r:id="rId2"/>
     <p:sldId id="256" r:id="rId3"/>
+    <p:sldId id="260" r:id="rId4"/>
+    <p:sldId id="258" r:id="rId5"/>
   </p:sldIdLst>
   <p:sldSz cx="12192000" cy="6858000"/>
   <p:notesSz cx="6858000" cy="9144000"/>
@@ -105,6 +107,11 @@
       </a:defRPr>
     </a:lvl9pPr>
   </p:defaultTextStyle>
+  <p:extLst>
+    <p:ext uri="{EFAFB233-063F-42B5-8137-9DF3F51BA10A}">
+      <p15:sldGuideLst xmlns:p15="http://schemas.microsoft.com/office/powerpoint/2012/main"/>
+    </p:ext>
+  </p:extLst>
 </p:presentation>
 </file>
 
@@ -255,7 +262,7 @@
           <a:p>
             <a:fld id="{C16DEECB-7284-4F76-8FA2-9E5B615A10A5}" type="datetimeFigureOut">
               <a:rPr lang="zh-CN" altLang="en-US" smtClean="0"/>
-              <a:t>2021/4/8</a:t>
+              <a:t>2021/4/11</a:t>
             </a:fld>
             <a:endParaRPr lang="zh-CN" altLang="en-US"/>
           </a:p>
@@ -453,7 +460,7 @@
           <a:p>
             <a:fld id="{C16DEECB-7284-4F76-8FA2-9E5B615A10A5}" type="datetimeFigureOut">
               <a:rPr lang="zh-CN" altLang="en-US" smtClean="0"/>
-              <a:t>2021/4/8</a:t>
+              <a:t>2021/4/11</a:t>
             </a:fld>
             <a:endParaRPr lang="zh-CN" altLang="en-US"/>
           </a:p>
@@ -661,7 +668,7 @@
           <a:p>
             <a:fld id="{C16DEECB-7284-4F76-8FA2-9E5B615A10A5}" type="datetimeFigureOut">
               <a:rPr lang="zh-CN" altLang="en-US" smtClean="0"/>
-              <a:t>2021/4/8</a:t>
+              <a:t>2021/4/11</a:t>
             </a:fld>
             <a:endParaRPr lang="zh-CN" altLang="en-US"/>
           </a:p>
@@ -859,7 +866,7 @@
           <a:p>
             <a:fld id="{C16DEECB-7284-4F76-8FA2-9E5B615A10A5}" type="datetimeFigureOut">
               <a:rPr lang="zh-CN" altLang="en-US" smtClean="0"/>
-              <a:t>2021/4/8</a:t>
+              <a:t>2021/4/11</a:t>
             </a:fld>
             <a:endParaRPr lang="zh-CN" altLang="en-US"/>
           </a:p>
@@ -1134,7 +1141,7 @@
           <a:p>
             <a:fld id="{C16DEECB-7284-4F76-8FA2-9E5B615A10A5}" type="datetimeFigureOut">
               <a:rPr lang="zh-CN" altLang="en-US" smtClean="0"/>
-              <a:t>2021/4/8</a:t>
+              <a:t>2021/4/11</a:t>
             </a:fld>
             <a:endParaRPr lang="zh-CN" altLang="en-US"/>
           </a:p>
@@ -1399,7 +1406,7 @@
           <a:p>
             <a:fld id="{C16DEECB-7284-4F76-8FA2-9E5B615A10A5}" type="datetimeFigureOut">
               <a:rPr lang="zh-CN" altLang="en-US" smtClean="0"/>
-              <a:t>2021/4/8</a:t>
+              <a:t>2021/4/11</a:t>
             </a:fld>
             <a:endParaRPr lang="zh-CN" altLang="en-US"/>
           </a:p>
@@ -1811,7 +1818,7 @@
           <a:p>
             <a:fld id="{C16DEECB-7284-4F76-8FA2-9E5B615A10A5}" type="datetimeFigureOut">
               <a:rPr lang="zh-CN" altLang="en-US" smtClean="0"/>
-              <a:t>2021/4/8</a:t>
+              <a:t>2021/4/11</a:t>
             </a:fld>
             <a:endParaRPr lang="zh-CN" altLang="en-US"/>
           </a:p>
@@ -1952,7 +1959,7 @@
           <a:p>
             <a:fld id="{C16DEECB-7284-4F76-8FA2-9E5B615A10A5}" type="datetimeFigureOut">
               <a:rPr lang="zh-CN" altLang="en-US" smtClean="0"/>
-              <a:t>2021/4/8</a:t>
+              <a:t>2021/4/11</a:t>
             </a:fld>
             <a:endParaRPr lang="zh-CN" altLang="en-US"/>
           </a:p>
@@ -2065,7 +2072,7 @@
           <a:p>
             <a:fld id="{C16DEECB-7284-4F76-8FA2-9E5B615A10A5}" type="datetimeFigureOut">
               <a:rPr lang="zh-CN" altLang="en-US" smtClean="0"/>
-              <a:t>2021/4/8</a:t>
+              <a:t>2021/4/11</a:t>
             </a:fld>
             <a:endParaRPr lang="zh-CN" altLang="en-US"/>
           </a:p>
@@ -2376,7 +2383,7 @@
           <a:p>
             <a:fld id="{C16DEECB-7284-4F76-8FA2-9E5B615A10A5}" type="datetimeFigureOut">
               <a:rPr lang="zh-CN" altLang="en-US" smtClean="0"/>
-              <a:t>2021/4/8</a:t>
+              <a:t>2021/4/11</a:t>
             </a:fld>
             <a:endParaRPr lang="zh-CN" altLang="en-US"/>
           </a:p>
@@ -2664,7 +2671,7 @@
           <a:p>
             <a:fld id="{C16DEECB-7284-4F76-8FA2-9E5B615A10A5}" type="datetimeFigureOut">
               <a:rPr lang="zh-CN" altLang="en-US" smtClean="0"/>
-              <a:t>2021/4/8</a:t>
+              <a:t>2021/4/11</a:t>
             </a:fld>
             <a:endParaRPr lang="zh-CN" altLang="en-US"/>
           </a:p>
@@ -2905,7 +2912,7 @@
           <a:p>
             <a:fld id="{C16DEECB-7284-4F76-8FA2-9E5B615A10A5}" type="datetimeFigureOut">
               <a:rPr lang="zh-CN" altLang="en-US" smtClean="0"/>
-              <a:t>2021/4/8</a:t>
+              <a:t>2021/4/11</a:t>
             </a:fld>
             <a:endParaRPr lang="zh-CN" altLang="en-US"/>
           </a:p>
@@ -4174,7 +4181,7 @@
         <p:spPr>
           <a:xfrm>
             <a:off x="0" y="123093"/>
-            <a:ext cx="1367682" cy="461665"/>
+            <a:ext cx="2199641" cy="461665"/>
           </a:xfrm>
           <a:prstGeom prst="rect">
             <a:avLst/>
@@ -4188,13 +4195,10 @@
           <a:lstStyle/>
           <a:p>
             <a:r>
-              <a:rPr lang="en-US" altLang="zh-CN" sz="2400" b="1" dirty="0"/>
-              <a:t>CLH</a:t>
+              <a:rPr lang="en-US" altLang="zh-CN" sz="2400" b="1" dirty="0" err="1"/>
+              <a:t>ReentrantLock</a:t>
             </a:r>
-            <a:r>
-              <a:rPr lang="zh-CN" altLang="en-US" sz="2400" b="1" dirty="0"/>
-              <a:t>队列</a:t>
-            </a:r>
+            <a:endParaRPr lang="zh-CN" altLang="en-US" sz="2400" b="1" dirty="0"/>
           </a:p>
         </p:txBody>
       </p:sp>
@@ -4326,9 +4330,9 @@
         </p:nvGrpSpPr>
         <p:grpSpPr>
           <a:xfrm>
-            <a:off x="9712308" y="5491261"/>
+            <a:off x="9712308" y="5491260"/>
             <a:ext cx="1137140" cy="650631"/>
-            <a:chOff x="5142513" y="5442438"/>
+            <a:chOff x="5142513" y="5442437"/>
             <a:chExt cx="1410688" cy="756139"/>
           </a:xfrm>
         </p:grpSpPr>
@@ -4346,7 +4350,7 @@
           </p:nvSpPr>
           <p:spPr>
             <a:xfrm>
-              <a:off x="5142513" y="5442438"/>
+              <a:off x="5142513" y="5442437"/>
               <a:ext cx="1410688" cy="756139"/>
             </a:xfrm>
             <a:prstGeom prst="triangle">
@@ -5157,7 +5161,7 @@
       </p:grpSp>
       <p:grpSp>
         <p:nvGrpSpPr>
-          <p:cNvPr id="48" name="!!node">
+          <p:cNvPr id="48" name="!!node2">
             <a:extLst>
               <a:ext uri="{FF2B5EF4-FFF2-40B4-BE49-F238E27FC236}">
                 <a16:creationId xmlns:a16="http://schemas.microsoft.com/office/drawing/2014/main" id="{461C2563-3731-42F5-B3B7-E2343BDA5883}"/>
@@ -6659,13 +6663,3060 @@
   <p:clrMapOvr>
     <a:masterClrMapping/>
   </p:clrMapOvr>
-  <mc:AlternateContent xmlns:mc="http://schemas.openxmlformats.org/markup-compatibility/2006">
-    <mc:Choice xmlns:p159="http://schemas.microsoft.com/office/powerpoint/2015/09/main" Requires="p159">
+  <mc:AlternateContent xmlns:mc="http://schemas.openxmlformats.org/markup-compatibility/2006" xmlns:p159="http://schemas.microsoft.com/office/powerpoint/2015/09/main">
+    <mc:Choice Requires="p159">
       <p:transition xmlns:p14="http://schemas.microsoft.com/office/powerpoint/2010/main" spd="slow" p14:dur="2000">
         <p159:morph option="byObject"/>
       </p:transition>
     </mc:Choice>
-    <mc:Fallback>
+    <mc:Fallback xmlns="">
+      <p:transition spd="slow">
+        <p:fade/>
+      </p:transition>
+    </mc:Fallback>
+  </mc:AlternateContent>
+</p:sld>
+</file>
+
+<file path=ppt/slides/slide3.xml><?xml version="1.0" encoding="utf-8"?>
+<p:sld xmlns:a="http://schemas.openxmlformats.org/drawingml/2006/main" xmlns:r="http://schemas.openxmlformats.org/officeDocument/2006/relationships" xmlns:p="http://schemas.openxmlformats.org/presentationml/2006/main">
+  <p:cSld>
+    <p:spTree>
+      <p:nvGrpSpPr>
+        <p:cNvPr id="1" name=""/>
+        <p:cNvGrpSpPr/>
+        <p:nvPr/>
+      </p:nvGrpSpPr>
+      <p:grpSpPr>
+        <a:xfrm>
+          <a:off x="0" y="0"/>
+          <a:ext cx="0" cy="0"/>
+          <a:chOff x="0" y="0"/>
+          <a:chExt cx="0" cy="0"/>
+        </a:xfrm>
+      </p:grpSpPr>
+      <p:sp>
+        <p:nvSpPr>
+          <p:cNvPr id="6" name="矩形 5">
+            <a:extLst>
+              <a:ext uri="{FF2B5EF4-FFF2-40B4-BE49-F238E27FC236}">
+                <a16:creationId xmlns:a16="http://schemas.microsoft.com/office/drawing/2014/main" id="{65658DEB-14A0-45D1-8828-892B616E2E74}"/>
+              </a:ext>
+            </a:extLst>
+          </p:cNvPr>
+          <p:cNvSpPr/>
+          <p:nvPr/>
+        </p:nvSpPr>
+        <p:spPr>
+          <a:xfrm>
+            <a:off x="0" y="659423"/>
+            <a:ext cx="12192000" cy="87923"/>
+          </a:xfrm>
+          <a:prstGeom prst="rect">
+            <a:avLst/>
+          </a:prstGeom>
+        </p:spPr>
+        <p:style>
+          <a:lnRef idx="2">
+            <a:schemeClr val="accent1">
+              <a:shade val="50000"/>
+            </a:schemeClr>
+          </a:lnRef>
+          <a:fillRef idx="1">
+            <a:schemeClr val="accent1"/>
+          </a:fillRef>
+          <a:effectRef idx="0">
+            <a:schemeClr val="accent1"/>
+          </a:effectRef>
+          <a:fontRef idx="minor">
+            <a:schemeClr val="lt1"/>
+          </a:fontRef>
+        </p:style>
+        <p:txBody>
+          <a:bodyPr rtlCol="0" anchor="ctr"/>
+          <a:lstStyle/>
+          <a:p>
+            <a:pPr algn="ctr"/>
+            <a:endParaRPr lang="zh-CN" altLang="en-US"/>
+          </a:p>
+        </p:txBody>
+      </p:sp>
+      <p:sp>
+        <p:nvSpPr>
+          <p:cNvPr id="7" name="文本框 6">
+            <a:extLst>
+              <a:ext uri="{FF2B5EF4-FFF2-40B4-BE49-F238E27FC236}">
+                <a16:creationId xmlns:a16="http://schemas.microsoft.com/office/drawing/2014/main" id="{B3B5AB6F-C374-4F8C-BE39-B0C067A883D3}"/>
+              </a:ext>
+            </a:extLst>
+          </p:cNvPr>
+          <p:cNvSpPr txBox="1"/>
+          <p:nvPr/>
+        </p:nvSpPr>
+        <p:spPr>
+          <a:xfrm>
+            <a:off x="0" y="123093"/>
+            <a:ext cx="2476960" cy="461665"/>
+          </a:xfrm>
+          <a:prstGeom prst="rect">
+            <a:avLst/>
+          </a:prstGeom>
+          <a:noFill/>
+        </p:spPr>
+        <p:txBody>
+          <a:bodyPr wrap="none" rtlCol="0">
+            <a:spAutoFit/>
+          </a:bodyPr>
+          <a:lstStyle/>
+          <a:p>
+            <a:r>
+              <a:rPr lang="en-US" altLang="zh-CN" sz="2400" b="1" dirty="0" err="1"/>
+              <a:t>ConditionObject</a:t>
+            </a:r>
+            <a:endParaRPr lang="zh-CN" altLang="en-US" sz="2400" b="1" dirty="0"/>
+          </a:p>
+        </p:txBody>
+      </p:sp>
+      <p:grpSp>
+        <p:nvGrpSpPr>
+          <p:cNvPr id="124" name="组合 123">
+            <a:extLst>
+              <a:ext uri="{FF2B5EF4-FFF2-40B4-BE49-F238E27FC236}">
+                <a16:creationId xmlns:a16="http://schemas.microsoft.com/office/drawing/2014/main" id="{C486634F-AB9A-4C5F-86FE-D7C6BE63939C}"/>
+              </a:ext>
+            </a:extLst>
+          </p:cNvPr>
+          <p:cNvGrpSpPr/>
+          <p:nvPr/>
+        </p:nvGrpSpPr>
+        <p:grpSpPr>
+          <a:xfrm>
+            <a:off x="1069035" y="1480935"/>
+            <a:ext cx="1222131" cy="650631"/>
+            <a:chOff x="840143" y="1389184"/>
+            <a:chExt cx="1410688" cy="756139"/>
+          </a:xfrm>
+        </p:grpSpPr>
+        <p:sp>
+          <p:nvSpPr>
+            <p:cNvPr id="125" name="等腰三角形 124">
+              <a:extLst>
+                <a:ext uri="{FF2B5EF4-FFF2-40B4-BE49-F238E27FC236}">
+                  <a16:creationId xmlns:a16="http://schemas.microsoft.com/office/drawing/2014/main" id="{C3309A4A-DC3C-4BD1-9DF1-2364DB670F16}"/>
+                </a:ext>
+              </a:extLst>
+            </p:cNvPr>
+            <p:cNvSpPr/>
+            <p:nvPr/>
+          </p:nvSpPr>
+          <p:spPr>
+            <a:xfrm rot="10800000">
+              <a:off x="840143" y="1389184"/>
+              <a:ext cx="1410688" cy="756139"/>
+            </a:xfrm>
+            <a:prstGeom prst="triangle">
+              <a:avLst/>
+            </a:prstGeom>
+            <a:solidFill>
+              <a:schemeClr val="accent2"/>
+            </a:solidFill>
+          </p:spPr>
+          <p:style>
+            <a:lnRef idx="2">
+              <a:schemeClr val="accent1">
+                <a:shade val="50000"/>
+              </a:schemeClr>
+            </a:lnRef>
+            <a:fillRef idx="1">
+              <a:schemeClr val="accent1"/>
+            </a:fillRef>
+            <a:effectRef idx="0">
+              <a:schemeClr val="accent1"/>
+            </a:effectRef>
+            <a:fontRef idx="minor">
+              <a:schemeClr val="lt1"/>
+            </a:fontRef>
+          </p:style>
+          <p:txBody>
+            <a:bodyPr rtlCol="0" anchor="ctr"/>
+            <a:lstStyle/>
+            <a:p>
+              <a:pPr algn="ctr"/>
+              <a:endParaRPr lang="zh-CN" altLang="en-US" dirty="0"/>
+            </a:p>
+          </p:txBody>
+        </p:sp>
+        <p:sp>
+          <p:nvSpPr>
+            <p:cNvPr id="126" name="文本框 125">
+              <a:extLst>
+                <a:ext uri="{FF2B5EF4-FFF2-40B4-BE49-F238E27FC236}">
+                  <a16:creationId xmlns:a16="http://schemas.microsoft.com/office/drawing/2014/main" id="{FF0BB2D8-FDCB-44F7-A017-5F761CB4B98D}"/>
+                </a:ext>
+              </a:extLst>
+            </p:cNvPr>
+            <p:cNvSpPr txBox="1"/>
+            <p:nvPr/>
+          </p:nvSpPr>
+          <p:spPr>
+            <a:xfrm>
+              <a:off x="1080869" y="1415765"/>
+              <a:ext cx="929233" cy="304033"/>
+            </a:xfrm>
+            <a:prstGeom prst="rect">
+              <a:avLst/>
+            </a:prstGeom>
+            <a:noFill/>
+          </p:spPr>
+          <p:txBody>
+            <a:bodyPr wrap="none" rtlCol="0">
+              <a:spAutoFit/>
+            </a:bodyPr>
+            <a:lstStyle/>
+            <a:p>
+              <a:r>
+                <a:rPr lang="en-US" altLang="zh-CN" sz="1100" dirty="0" err="1">
+                  <a:solidFill>
+                    <a:schemeClr val="bg1"/>
+                  </a:solidFill>
+                </a:rPr>
+                <a:t>firstWaiter</a:t>
+              </a:r>
+              <a:endParaRPr lang="zh-CN" altLang="en-US" sz="1100" dirty="0">
+                <a:solidFill>
+                  <a:schemeClr val="bg1"/>
+                </a:solidFill>
+              </a:endParaRPr>
+            </a:p>
+          </p:txBody>
+        </p:sp>
+      </p:grpSp>
+      <p:grpSp>
+        <p:nvGrpSpPr>
+          <p:cNvPr id="127" name="组合 126">
+            <a:extLst>
+              <a:ext uri="{FF2B5EF4-FFF2-40B4-BE49-F238E27FC236}">
+                <a16:creationId xmlns:a16="http://schemas.microsoft.com/office/drawing/2014/main" id="{A0E55FFB-0C73-413C-B974-EEAA611E4692}"/>
+              </a:ext>
+            </a:extLst>
+          </p:cNvPr>
+          <p:cNvGrpSpPr/>
+          <p:nvPr/>
+        </p:nvGrpSpPr>
+        <p:grpSpPr>
+          <a:xfrm>
+            <a:off x="9712308" y="5491260"/>
+            <a:ext cx="1137140" cy="650631"/>
+            <a:chOff x="5142513" y="5442437"/>
+            <a:chExt cx="1410688" cy="756139"/>
+          </a:xfrm>
+        </p:grpSpPr>
+        <p:sp>
+          <p:nvSpPr>
+            <p:cNvPr id="128" name="等腰三角形 127">
+              <a:extLst>
+                <a:ext uri="{FF2B5EF4-FFF2-40B4-BE49-F238E27FC236}">
+                  <a16:creationId xmlns:a16="http://schemas.microsoft.com/office/drawing/2014/main" id="{50872FF9-823A-4088-B760-690697B1CC74}"/>
+                </a:ext>
+              </a:extLst>
+            </p:cNvPr>
+            <p:cNvSpPr/>
+            <p:nvPr/>
+          </p:nvSpPr>
+          <p:spPr>
+            <a:xfrm>
+              <a:off x="5142513" y="5442437"/>
+              <a:ext cx="1410688" cy="756139"/>
+            </a:xfrm>
+            <a:prstGeom prst="triangle">
+              <a:avLst/>
+            </a:prstGeom>
+            <a:solidFill>
+              <a:schemeClr val="accent2"/>
+            </a:solidFill>
+          </p:spPr>
+          <p:style>
+            <a:lnRef idx="2">
+              <a:schemeClr val="accent1">
+                <a:shade val="50000"/>
+              </a:schemeClr>
+            </a:lnRef>
+            <a:fillRef idx="1">
+              <a:schemeClr val="accent1"/>
+            </a:fillRef>
+            <a:effectRef idx="0">
+              <a:schemeClr val="accent1"/>
+            </a:effectRef>
+            <a:fontRef idx="minor">
+              <a:schemeClr val="lt1"/>
+            </a:fontRef>
+          </p:style>
+          <p:txBody>
+            <a:bodyPr rtlCol="0" anchor="ctr"/>
+            <a:lstStyle/>
+            <a:p>
+              <a:pPr algn="ctr"/>
+              <a:endParaRPr lang="zh-CN" altLang="en-US" dirty="0"/>
+            </a:p>
+          </p:txBody>
+        </p:sp>
+        <p:sp>
+          <p:nvSpPr>
+            <p:cNvPr id="129" name="文本框 128">
+              <a:extLst>
+                <a:ext uri="{FF2B5EF4-FFF2-40B4-BE49-F238E27FC236}">
+                  <a16:creationId xmlns:a16="http://schemas.microsoft.com/office/drawing/2014/main" id="{C3F7B3A5-0095-42DA-B150-9B2AB577FC6E}"/>
+                </a:ext>
+              </a:extLst>
+            </p:cNvPr>
+            <p:cNvSpPr txBox="1"/>
+            <p:nvPr/>
+          </p:nvSpPr>
+          <p:spPr>
+            <a:xfrm>
+              <a:off x="5357768" y="5820506"/>
+              <a:ext cx="974822" cy="304033"/>
+            </a:xfrm>
+            <a:prstGeom prst="rect">
+              <a:avLst/>
+            </a:prstGeom>
+            <a:noFill/>
+          </p:spPr>
+          <p:txBody>
+            <a:bodyPr wrap="none" rtlCol="0">
+              <a:spAutoFit/>
+            </a:bodyPr>
+            <a:lstStyle/>
+            <a:p>
+              <a:r>
+                <a:rPr lang="en-US" altLang="zh-CN" sz="1100" dirty="0" err="1">
+                  <a:solidFill>
+                    <a:schemeClr val="bg1"/>
+                  </a:solidFill>
+                </a:rPr>
+                <a:t>lastWaiter</a:t>
+              </a:r>
+              <a:endParaRPr lang="zh-CN" altLang="en-US" sz="1100" dirty="0">
+                <a:solidFill>
+                  <a:schemeClr val="bg1"/>
+                </a:solidFill>
+              </a:endParaRPr>
+            </a:p>
+          </p:txBody>
+        </p:sp>
+      </p:grpSp>
+      <p:grpSp>
+        <p:nvGrpSpPr>
+          <p:cNvPr id="132" name="!!node">
+            <a:extLst>
+              <a:ext uri="{FF2B5EF4-FFF2-40B4-BE49-F238E27FC236}">
+                <a16:creationId xmlns:a16="http://schemas.microsoft.com/office/drawing/2014/main" id="{43DA6DE7-1ADE-4317-BE80-382C24161266}"/>
+              </a:ext>
+            </a:extLst>
+          </p:cNvPr>
+          <p:cNvGrpSpPr/>
+          <p:nvPr/>
+        </p:nvGrpSpPr>
+        <p:grpSpPr>
+          <a:xfrm>
+            <a:off x="492098" y="2892669"/>
+            <a:ext cx="2295331" cy="1913638"/>
+            <a:chOff x="2360645" y="3012925"/>
+            <a:chExt cx="2295331" cy="1913638"/>
+          </a:xfrm>
+        </p:grpSpPr>
+        <p:sp>
+          <p:nvSpPr>
+            <p:cNvPr id="133" name="矩形 132">
+              <a:extLst>
+                <a:ext uri="{FF2B5EF4-FFF2-40B4-BE49-F238E27FC236}">
+                  <a16:creationId xmlns:a16="http://schemas.microsoft.com/office/drawing/2014/main" id="{53E42D06-84AE-43E9-9547-CCEEF9371BB3}"/>
+                </a:ext>
+              </a:extLst>
+            </p:cNvPr>
+            <p:cNvSpPr/>
+            <p:nvPr/>
+          </p:nvSpPr>
+          <p:spPr>
+            <a:xfrm>
+              <a:off x="2360645" y="3012925"/>
+              <a:ext cx="2295331" cy="1913638"/>
+            </a:xfrm>
+            <a:prstGeom prst="rect">
+              <a:avLst/>
+            </a:prstGeom>
+            <a:solidFill>
+              <a:schemeClr val="bg1"/>
+            </a:solidFill>
+          </p:spPr>
+          <p:style>
+            <a:lnRef idx="2">
+              <a:schemeClr val="accent1">
+                <a:shade val="50000"/>
+              </a:schemeClr>
+            </a:lnRef>
+            <a:fillRef idx="1">
+              <a:schemeClr val="accent1"/>
+            </a:fillRef>
+            <a:effectRef idx="0">
+              <a:schemeClr val="accent1"/>
+            </a:effectRef>
+            <a:fontRef idx="minor">
+              <a:schemeClr val="lt1"/>
+            </a:fontRef>
+          </p:style>
+          <p:txBody>
+            <a:bodyPr rtlCol="0" anchor="ctr"/>
+            <a:lstStyle/>
+            <a:p>
+              <a:pPr algn="ctr"/>
+              <a:endParaRPr lang="zh-CN" altLang="en-US"/>
+            </a:p>
+          </p:txBody>
+        </p:sp>
+        <p:sp>
+          <p:nvSpPr>
+            <p:cNvPr id="134" name="!!thread">
+              <a:extLst>
+                <a:ext uri="{FF2B5EF4-FFF2-40B4-BE49-F238E27FC236}">
+                  <a16:creationId xmlns:a16="http://schemas.microsoft.com/office/drawing/2014/main" id="{4DAF57F1-F393-4D1E-8DA0-CA20E30C9536}"/>
+                </a:ext>
+              </a:extLst>
+            </p:cNvPr>
+            <p:cNvSpPr/>
+            <p:nvPr/>
+          </p:nvSpPr>
+          <p:spPr>
+            <a:xfrm>
+              <a:off x="3091633" y="3769386"/>
+              <a:ext cx="889988" cy="591599"/>
+            </a:xfrm>
+            <a:prstGeom prst="rect">
+              <a:avLst/>
+            </a:prstGeom>
+          </p:spPr>
+          <p:style>
+            <a:lnRef idx="2">
+              <a:schemeClr val="accent1">
+                <a:shade val="50000"/>
+              </a:schemeClr>
+            </a:lnRef>
+            <a:fillRef idx="1">
+              <a:schemeClr val="accent1"/>
+            </a:fillRef>
+            <a:effectRef idx="0">
+              <a:schemeClr val="accent1"/>
+            </a:effectRef>
+            <a:fontRef idx="minor">
+              <a:schemeClr val="lt1"/>
+            </a:fontRef>
+          </p:style>
+          <p:txBody>
+            <a:bodyPr rtlCol="0" anchor="ctr"/>
+            <a:lstStyle/>
+            <a:p>
+              <a:pPr algn="ctr"/>
+              <a:r>
+                <a:rPr lang="en-US" altLang="zh-CN" sz="1100" dirty="0"/>
+                <a:t>Thread=</a:t>
+              </a:r>
+              <a:r>
+                <a:rPr lang="en-US" altLang="zh-CN" sz="900" dirty="0"/>
+                <a:t>null</a:t>
+              </a:r>
+              <a:endParaRPr lang="zh-CN" altLang="en-US" sz="1100" dirty="0"/>
+            </a:p>
+          </p:txBody>
+        </p:sp>
+        <p:grpSp>
+          <p:nvGrpSpPr>
+            <p:cNvPr id="135" name="!!nextWaiter">
+              <a:extLst>
+                <a:ext uri="{FF2B5EF4-FFF2-40B4-BE49-F238E27FC236}">
+                  <a16:creationId xmlns:a16="http://schemas.microsoft.com/office/drawing/2014/main" id="{BDCCFDD8-27A2-49A8-9A5A-05674D479EF1}"/>
+                </a:ext>
+              </a:extLst>
+            </p:cNvPr>
+            <p:cNvGrpSpPr/>
+            <p:nvPr/>
+          </p:nvGrpSpPr>
+          <p:grpSpPr>
+            <a:xfrm>
+              <a:off x="3091632" y="4360985"/>
+              <a:ext cx="889989" cy="387178"/>
+              <a:chOff x="4799131" y="4078830"/>
+              <a:chExt cx="2593734" cy="616262"/>
+            </a:xfrm>
+          </p:grpSpPr>
+          <p:sp>
+            <p:nvSpPr>
+              <p:cNvPr id="146" name="等腰三角形 145">
+                <a:extLst>
+                  <a:ext uri="{FF2B5EF4-FFF2-40B4-BE49-F238E27FC236}">
+                    <a16:creationId xmlns:a16="http://schemas.microsoft.com/office/drawing/2014/main" id="{601321C0-7EA6-46CC-8408-1D564688B7FF}"/>
+                  </a:ext>
+                </a:extLst>
+              </p:cNvPr>
+              <p:cNvSpPr/>
+              <p:nvPr/>
+            </p:nvSpPr>
+            <p:spPr>
+              <a:xfrm rot="10800000">
+                <a:off x="4799134" y="4193931"/>
+                <a:ext cx="2593731" cy="501161"/>
+              </a:xfrm>
+              <a:prstGeom prst="triangle">
+                <a:avLst/>
+              </a:prstGeom>
+            </p:spPr>
+            <p:style>
+              <a:lnRef idx="2">
+                <a:schemeClr val="accent1">
+                  <a:shade val="50000"/>
+                </a:schemeClr>
+              </a:lnRef>
+              <a:fillRef idx="1">
+                <a:schemeClr val="accent1"/>
+              </a:fillRef>
+              <a:effectRef idx="0">
+                <a:schemeClr val="accent1"/>
+              </a:effectRef>
+              <a:fontRef idx="minor">
+                <a:schemeClr val="lt1"/>
+              </a:fontRef>
+            </p:style>
+            <p:txBody>
+              <a:bodyPr rtlCol="0" anchor="ctr"/>
+              <a:lstStyle/>
+              <a:p>
+                <a:pPr algn="ctr"/>
+                <a:endParaRPr lang="zh-CN" altLang="en-US" dirty="0"/>
+              </a:p>
+            </p:txBody>
+          </p:sp>
+          <p:sp>
+            <p:nvSpPr>
+              <p:cNvPr id="147" name="文本框 146">
+                <a:extLst>
+                  <a:ext uri="{FF2B5EF4-FFF2-40B4-BE49-F238E27FC236}">
+                    <a16:creationId xmlns:a16="http://schemas.microsoft.com/office/drawing/2014/main" id="{7F7AB822-D6EC-473B-8C67-339BD7A7288B}"/>
+                  </a:ext>
+                </a:extLst>
+              </p:cNvPr>
+              <p:cNvSpPr txBox="1"/>
+              <p:nvPr/>
+            </p:nvSpPr>
+            <p:spPr>
+              <a:xfrm>
+                <a:off x="4799131" y="4078830"/>
+                <a:ext cx="889988" cy="261609"/>
+              </a:xfrm>
+              <a:prstGeom prst="rect">
+                <a:avLst/>
+              </a:prstGeom>
+              <a:noFill/>
+            </p:spPr>
+            <p:txBody>
+              <a:bodyPr wrap="none" rtlCol="0">
+                <a:spAutoFit/>
+              </a:bodyPr>
+              <a:lstStyle/>
+              <a:p>
+                <a:r>
+                  <a:rPr lang="en-US" altLang="zh-CN" sz="1100" b="0" i="0" u="none" strike="noStrike" baseline="0" dirty="0" err="1">
+                    <a:solidFill>
+                      <a:schemeClr val="bg1"/>
+                    </a:solidFill>
+                    <a:latin typeface="宋体" panose="02010600030101010101" pitchFamily="2" charset="-122"/>
+                    <a:ea typeface="宋体" panose="02010600030101010101" pitchFamily="2" charset="-122"/>
+                  </a:rPr>
+                  <a:t>nextWaiter</a:t>
+                </a:r>
+                <a:endParaRPr lang="zh-CN" altLang="en-US" sz="1100" dirty="0">
+                  <a:solidFill>
+                    <a:schemeClr val="bg1"/>
+                  </a:solidFill>
+                </a:endParaRPr>
+              </a:p>
+            </p:txBody>
+          </p:sp>
+        </p:grpSp>
+        <p:grpSp>
+          <p:nvGrpSpPr>
+            <p:cNvPr id="136" name="!!waitStatus">
+              <a:extLst>
+                <a:ext uri="{FF2B5EF4-FFF2-40B4-BE49-F238E27FC236}">
+                  <a16:creationId xmlns:a16="http://schemas.microsoft.com/office/drawing/2014/main" id="{5E39DAD5-8291-42A7-B7EF-C1F9F153978E}"/>
+                </a:ext>
+              </a:extLst>
+            </p:cNvPr>
+            <p:cNvGrpSpPr/>
+            <p:nvPr/>
+          </p:nvGrpSpPr>
+          <p:grpSpPr>
+            <a:xfrm>
+              <a:off x="3091632" y="3429000"/>
+              <a:ext cx="889988" cy="252463"/>
+              <a:chOff x="4799133" y="2778370"/>
+              <a:chExt cx="2593731" cy="422030"/>
+            </a:xfrm>
+          </p:grpSpPr>
+          <p:sp>
+            <p:nvSpPr>
+              <p:cNvPr id="144" name="矩形: 圆角 143">
+                <a:extLst>
+                  <a:ext uri="{FF2B5EF4-FFF2-40B4-BE49-F238E27FC236}">
+                    <a16:creationId xmlns:a16="http://schemas.microsoft.com/office/drawing/2014/main" id="{46ED9AC1-FD8B-4E5E-9EDE-71AB3D62F098}"/>
+                  </a:ext>
+                </a:extLst>
+              </p:cNvPr>
+              <p:cNvSpPr/>
+              <p:nvPr/>
+            </p:nvSpPr>
+            <p:spPr>
+              <a:xfrm>
+                <a:off x="4799133" y="2778370"/>
+                <a:ext cx="2593731" cy="422030"/>
+              </a:xfrm>
+              <a:prstGeom prst="roundRect">
+                <a:avLst/>
+              </a:prstGeom>
+            </p:spPr>
+            <p:style>
+              <a:lnRef idx="2">
+                <a:schemeClr val="accent1">
+                  <a:shade val="50000"/>
+                </a:schemeClr>
+              </a:lnRef>
+              <a:fillRef idx="1">
+                <a:schemeClr val="accent1"/>
+              </a:fillRef>
+              <a:effectRef idx="0">
+                <a:schemeClr val="accent1"/>
+              </a:effectRef>
+              <a:fontRef idx="minor">
+                <a:schemeClr val="lt1"/>
+              </a:fontRef>
+            </p:style>
+            <p:txBody>
+              <a:bodyPr rtlCol="0" anchor="ctr"/>
+              <a:lstStyle/>
+              <a:p>
+                <a:pPr algn="ctr"/>
+                <a:endParaRPr lang="zh-CN" altLang="en-US"/>
+              </a:p>
+            </p:txBody>
+          </p:sp>
+          <p:sp>
+            <p:nvSpPr>
+              <p:cNvPr id="145" name="文本框 144">
+                <a:extLst>
+                  <a:ext uri="{FF2B5EF4-FFF2-40B4-BE49-F238E27FC236}">
+                    <a16:creationId xmlns:a16="http://schemas.microsoft.com/office/drawing/2014/main" id="{E1472CBF-AAD5-4B92-9C7E-5810F69E7901}"/>
+                  </a:ext>
+                </a:extLst>
+              </p:cNvPr>
+              <p:cNvSpPr txBox="1"/>
+              <p:nvPr/>
+            </p:nvSpPr>
+            <p:spPr>
+              <a:xfrm>
+                <a:off x="4799133" y="2798335"/>
+                <a:ext cx="889987" cy="261610"/>
+              </a:xfrm>
+              <a:prstGeom prst="rect">
+                <a:avLst/>
+              </a:prstGeom>
+              <a:noFill/>
+            </p:spPr>
+            <p:txBody>
+              <a:bodyPr wrap="none" rtlCol="0">
+                <a:spAutoFit/>
+              </a:bodyPr>
+              <a:lstStyle/>
+              <a:p>
+                <a:r>
+                  <a:rPr lang="en-US" altLang="zh-CN" sz="1100" b="0" i="0" u="none" strike="noStrike" baseline="0" dirty="0" err="1">
+                    <a:solidFill>
+                      <a:schemeClr val="bg1"/>
+                    </a:solidFill>
+                    <a:latin typeface="宋体" panose="02010600030101010101" pitchFamily="2" charset="-122"/>
+                    <a:ea typeface="宋体" panose="02010600030101010101" pitchFamily="2" charset="-122"/>
+                  </a:rPr>
+                  <a:t>waitStatus</a:t>
+                </a:r>
+                <a:endParaRPr lang="zh-CN" altLang="en-US" dirty="0">
+                  <a:solidFill>
+                    <a:schemeClr val="bg1"/>
+                  </a:solidFill>
+                </a:endParaRPr>
+              </a:p>
+            </p:txBody>
+          </p:sp>
+        </p:grpSp>
+        <p:grpSp>
+          <p:nvGrpSpPr>
+            <p:cNvPr id="137" name="!!prev">
+              <a:extLst>
+                <a:ext uri="{FF2B5EF4-FFF2-40B4-BE49-F238E27FC236}">
+                  <a16:creationId xmlns:a16="http://schemas.microsoft.com/office/drawing/2014/main" id="{6D4B668F-4D80-4AFE-B1F0-FF433E705DFC}"/>
+                </a:ext>
+              </a:extLst>
+            </p:cNvPr>
+            <p:cNvGrpSpPr/>
+            <p:nvPr/>
+          </p:nvGrpSpPr>
+          <p:grpSpPr>
+            <a:xfrm>
+              <a:off x="2496851" y="3769386"/>
+              <a:ext cx="491701" cy="582804"/>
+              <a:chOff x="4036402" y="3270739"/>
+              <a:chExt cx="661621" cy="861647"/>
+            </a:xfrm>
+          </p:grpSpPr>
+          <p:sp>
+            <p:nvSpPr>
+              <p:cNvPr id="142" name="等腰三角形 141">
+                <a:extLst>
+                  <a:ext uri="{FF2B5EF4-FFF2-40B4-BE49-F238E27FC236}">
+                    <a16:creationId xmlns:a16="http://schemas.microsoft.com/office/drawing/2014/main" id="{38F9C662-3C4B-4EC1-B8F5-3FE3E4B7EC22}"/>
+                  </a:ext>
+                </a:extLst>
+              </p:cNvPr>
+              <p:cNvSpPr/>
+              <p:nvPr/>
+            </p:nvSpPr>
+            <p:spPr>
+              <a:xfrm rot="16200000">
+                <a:off x="3936389" y="3370752"/>
+                <a:ext cx="861647" cy="661621"/>
+              </a:xfrm>
+              <a:prstGeom prst="triangle">
+                <a:avLst/>
+              </a:prstGeom>
+            </p:spPr>
+            <p:style>
+              <a:lnRef idx="2">
+                <a:schemeClr val="accent1">
+                  <a:shade val="50000"/>
+                </a:schemeClr>
+              </a:lnRef>
+              <a:fillRef idx="1">
+                <a:schemeClr val="accent1"/>
+              </a:fillRef>
+              <a:effectRef idx="0">
+                <a:schemeClr val="accent1"/>
+              </a:effectRef>
+              <a:fontRef idx="minor">
+                <a:schemeClr val="lt1"/>
+              </a:fontRef>
+            </p:style>
+            <p:txBody>
+              <a:bodyPr rtlCol="0" anchor="ctr"/>
+              <a:lstStyle/>
+              <a:p>
+                <a:pPr algn="ctr"/>
+                <a:endParaRPr lang="zh-CN" altLang="en-US"/>
+              </a:p>
+            </p:txBody>
+          </p:sp>
+          <p:sp>
+            <p:nvSpPr>
+              <p:cNvPr id="143" name="文本框 142">
+                <a:extLst>
+                  <a:ext uri="{FF2B5EF4-FFF2-40B4-BE49-F238E27FC236}">
+                    <a16:creationId xmlns:a16="http://schemas.microsoft.com/office/drawing/2014/main" id="{E6A1FB24-7693-42D6-B751-9E325DF6DBA1}"/>
+                  </a:ext>
+                </a:extLst>
+              </p:cNvPr>
+              <p:cNvSpPr txBox="1"/>
+              <p:nvPr/>
+            </p:nvSpPr>
+            <p:spPr>
+              <a:xfrm>
+                <a:off x="4126292" y="3512499"/>
+                <a:ext cx="450764" cy="261610"/>
+              </a:xfrm>
+              <a:prstGeom prst="rect">
+                <a:avLst/>
+              </a:prstGeom>
+              <a:noFill/>
+            </p:spPr>
+            <p:txBody>
+              <a:bodyPr wrap="none" rtlCol="0">
+                <a:spAutoFit/>
+              </a:bodyPr>
+              <a:lstStyle/>
+              <a:p>
+                <a:r>
+                  <a:rPr lang="en-US" altLang="zh-CN" sz="1100" dirty="0" err="1">
+                    <a:solidFill>
+                      <a:schemeClr val="bg1"/>
+                    </a:solidFill>
+                  </a:rPr>
+                  <a:t>prev</a:t>
+                </a:r>
+                <a:endParaRPr lang="zh-CN" altLang="en-US" sz="1100" dirty="0">
+                  <a:solidFill>
+                    <a:schemeClr val="bg1"/>
+                  </a:solidFill>
+                </a:endParaRPr>
+              </a:p>
+            </p:txBody>
+          </p:sp>
+        </p:grpSp>
+        <p:grpSp>
+          <p:nvGrpSpPr>
+            <p:cNvPr id="138" name="!!next">
+              <a:extLst>
+                <a:ext uri="{FF2B5EF4-FFF2-40B4-BE49-F238E27FC236}">
+                  <a16:creationId xmlns:a16="http://schemas.microsoft.com/office/drawing/2014/main" id="{D6EAF2C2-C177-47F6-9A31-3A6A414D4260}"/>
+                </a:ext>
+              </a:extLst>
+            </p:cNvPr>
+            <p:cNvGrpSpPr/>
+            <p:nvPr/>
+          </p:nvGrpSpPr>
+          <p:grpSpPr>
+            <a:xfrm>
+              <a:off x="4084701" y="3769386"/>
+              <a:ext cx="412955" cy="591599"/>
+              <a:chOff x="7443421" y="3270738"/>
+              <a:chExt cx="712177" cy="861647"/>
+            </a:xfrm>
+          </p:grpSpPr>
+          <p:sp>
+            <p:nvSpPr>
+              <p:cNvPr id="140" name="等腰三角形 139">
+                <a:extLst>
+                  <a:ext uri="{FF2B5EF4-FFF2-40B4-BE49-F238E27FC236}">
+                    <a16:creationId xmlns:a16="http://schemas.microsoft.com/office/drawing/2014/main" id="{46D0F6EE-B4F4-4377-B346-C0049728A162}"/>
+                  </a:ext>
+                </a:extLst>
+              </p:cNvPr>
+              <p:cNvSpPr/>
+              <p:nvPr/>
+            </p:nvSpPr>
+            <p:spPr>
+              <a:xfrm rot="5400000">
+                <a:off x="7393964" y="3370751"/>
+                <a:ext cx="861647" cy="661621"/>
+              </a:xfrm>
+              <a:prstGeom prst="triangle">
+                <a:avLst/>
+              </a:prstGeom>
+            </p:spPr>
+            <p:style>
+              <a:lnRef idx="2">
+                <a:schemeClr val="accent1">
+                  <a:shade val="50000"/>
+                </a:schemeClr>
+              </a:lnRef>
+              <a:fillRef idx="1">
+                <a:schemeClr val="accent1"/>
+              </a:fillRef>
+              <a:effectRef idx="0">
+                <a:schemeClr val="accent1"/>
+              </a:effectRef>
+              <a:fontRef idx="minor">
+                <a:schemeClr val="lt1"/>
+              </a:fontRef>
+            </p:style>
+            <p:txBody>
+              <a:bodyPr rtlCol="0" anchor="ctr"/>
+              <a:lstStyle/>
+              <a:p>
+                <a:pPr algn="ctr"/>
+                <a:endParaRPr lang="zh-CN" altLang="en-US"/>
+              </a:p>
+            </p:txBody>
+          </p:sp>
+          <p:sp>
+            <p:nvSpPr>
+              <p:cNvPr id="141" name="文本框 140">
+                <a:extLst>
+                  <a:ext uri="{FF2B5EF4-FFF2-40B4-BE49-F238E27FC236}">
+                    <a16:creationId xmlns:a16="http://schemas.microsoft.com/office/drawing/2014/main" id="{666626A7-02F4-4A46-A765-71701D4D849F}"/>
+                  </a:ext>
+                </a:extLst>
+              </p:cNvPr>
+              <p:cNvSpPr txBox="1"/>
+              <p:nvPr/>
+            </p:nvSpPr>
+            <p:spPr>
+              <a:xfrm>
+                <a:off x="7443421" y="3512499"/>
+                <a:ext cx="441146" cy="261610"/>
+              </a:xfrm>
+              <a:prstGeom prst="rect">
+                <a:avLst/>
+              </a:prstGeom>
+              <a:noFill/>
+            </p:spPr>
+            <p:txBody>
+              <a:bodyPr wrap="none" rtlCol="0">
+                <a:spAutoFit/>
+              </a:bodyPr>
+              <a:lstStyle/>
+              <a:p>
+                <a:r>
+                  <a:rPr lang="en-US" altLang="zh-CN" sz="1100" dirty="0">
+                    <a:solidFill>
+                      <a:schemeClr val="bg1"/>
+                    </a:solidFill>
+                  </a:rPr>
+                  <a:t>next</a:t>
+                </a:r>
+                <a:endParaRPr lang="zh-CN" altLang="en-US" sz="1100" dirty="0">
+                  <a:solidFill>
+                    <a:schemeClr val="bg1"/>
+                  </a:solidFill>
+                </a:endParaRPr>
+              </a:p>
+            </p:txBody>
+          </p:sp>
+        </p:grpSp>
+        <p:sp>
+          <p:nvSpPr>
+            <p:cNvPr id="139" name="文本框 138">
+              <a:extLst>
+                <a:ext uri="{FF2B5EF4-FFF2-40B4-BE49-F238E27FC236}">
+                  <a16:creationId xmlns:a16="http://schemas.microsoft.com/office/drawing/2014/main" id="{52BDF79F-D64C-4CFE-BBE8-F8CF0B0C4D93}"/>
+                </a:ext>
+              </a:extLst>
+            </p:cNvPr>
+            <p:cNvSpPr txBox="1"/>
+            <p:nvPr/>
+          </p:nvSpPr>
+          <p:spPr>
+            <a:xfrm>
+              <a:off x="3167775" y="3012925"/>
+              <a:ext cx="761747" cy="369332"/>
+            </a:xfrm>
+            <a:prstGeom prst="rect">
+              <a:avLst/>
+            </a:prstGeom>
+            <a:noFill/>
+          </p:spPr>
+          <p:txBody>
+            <a:bodyPr wrap="none" rtlCol="0">
+              <a:spAutoFit/>
+            </a:bodyPr>
+            <a:lstStyle/>
+            <a:p>
+              <a:r>
+                <a:rPr lang="en-US" altLang="zh-CN" b="1" dirty="0">
+                  <a:solidFill>
+                    <a:schemeClr val="accent1"/>
+                  </a:solidFill>
+                </a:rPr>
+                <a:t>Node</a:t>
+              </a:r>
+              <a:endParaRPr lang="zh-CN" altLang="en-US" b="1" dirty="0">
+                <a:solidFill>
+                  <a:schemeClr val="accent1"/>
+                </a:solidFill>
+              </a:endParaRPr>
+            </a:p>
+          </p:txBody>
+        </p:sp>
+      </p:grpSp>
+      <p:grpSp>
+        <p:nvGrpSpPr>
+          <p:cNvPr id="148" name="!!node2">
+            <a:extLst>
+              <a:ext uri="{FF2B5EF4-FFF2-40B4-BE49-F238E27FC236}">
+                <a16:creationId xmlns:a16="http://schemas.microsoft.com/office/drawing/2014/main" id="{D6C0FE70-EF8E-47F6-8386-4E8CC23E3F3D}"/>
+              </a:ext>
+            </a:extLst>
+          </p:cNvPr>
+          <p:cNvGrpSpPr/>
+          <p:nvPr/>
+        </p:nvGrpSpPr>
+        <p:grpSpPr>
+          <a:xfrm>
+            <a:off x="4850774" y="2892669"/>
+            <a:ext cx="2295331" cy="1913638"/>
+            <a:chOff x="2360645" y="3012925"/>
+            <a:chExt cx="2295331" cy="1913638"/>
+          </a:xfrm>
+        </p:grpSpPr>
+        <p:sp>
+          <p:nvSpPr>
+            <p:cNvPr id="149" name="矩形 148">
+              <a:extLst>
+                <a:ext uri="{FF2B5EF4-FFF2-40B4-BE49-F238E27FC236}">
+                  <a16:creationId xmlns:a16="http://schemas.microsoft.com/office/drawing/2014/main" id="{598AEAE7-0258-4233-AEB8-67B32A9273F7}"/>
+                </a:ext>
+              </a:extLst>
+            </p:cNvPr>
+            <p:cNvSpPr/>
+            <p:nvPr/>
+          </p:nvSpPr>
+          <p:spPr>
+            <a:xfrm>
+              <a:off x="2360645" y="3012925"/>
+              <a:ext cx="2295331" cy="1913638"/>
+            </a:xfrm>
+            <a:prstGeom prst="rect">
+              <a:avLst/>
+            </a:prstGeom>
+            <a:solidFill>
+              <a:schemeClr val="bg1"/>
+            </a:solidFill>
+          </p:spPr>
+          <p:style>
+            <a:lnRef idx="2">
+              <a:schemeClr val="accent1">
+                <a:shade val="50000"/>
+              </a:schemeClr>
+            </a:lnRef>
+            <a:fillRef idx="1">
+              <a:schemeClr val="accent1"/>
+            </a:fillRef>
+            <a:effectRef idx="0">
+              <a:schemeClr val="accent1"/>
+            </a:effectRef>
+            <a:fontRef idx="minor">
+              <a:schemeClr val="lt1"/>
+            </a:fontRef>
+          </p:style>
+          <p:txBody>
+            <a:bodyPr rtlCol="0" anchor="ctr"/>
+            <a:lstStyle/>
+            <a:p>
+              <a:pPr algn="ctr"/>
+              <a:endParaRPr lang="zh-CN" altLang="en-US"/>
+            </a:p>
+          </p:txBody>
+        </p:sp>
+        <p:sp>
+          <p:nvSpPr>
+            <p:cNvPr id="150" name="!!thread">
+              <a:extLst>
+                <a:ext uri="{FF2B5EF4-FFF2-40B4-BE49-F238E27FC236}">
+                  <a16:creationId xmlns:a16="http://schemas.microsoft.com/office/drawing/2014/main" id="{065F774A-E5B7-4226-BE57-149EDBC8A238}"/>
+                </a:ext>
+              </a:extLst>
+            </p:cNvPr>
+            <p:cNvSpPr/>
+            <p:nvPr/>
+          </p:nvSpPr>
+          <p:spPr>
+            <a:xfrm>
+              <a:off x="3091633" y="3769386"/>
+              <a:ext cx="889988" cy="591599"/>
+            </a:xfrm>
+            <a:prstGeom prst="rect">
+              <a:avLst/>
+            </a:prstGeom>
+          </p:spPr>
+          <p:style>
+            <a:lnRef idx="2">
+              <a:schemeClr val="accent1">
+                <a:shade val="50000"/>
+              </a:schemeClr>
+            </a:lnRef>
+            <a:fillRef idx="1">
+              <a:schemeClr val="accent1"/>
+            </a:fillRef>
+            <a:effectRef idx="0">
+              <a:schemeClr val="accent1"/>
+            </a:effectRef>
+            <a:fontRef idx="minor">
+              <a:schemeClr val="lt1"/>
+            </a:fontRef>
+          </p:style>
+          <p:txBody>
+            <a:bodyPr rtlCol="0" anchor="ctr"/>
+            <a:lstStyle/>
+            <a:p>
+              <a:pPr algn="ctr"/>
+              <a:r>
+                <a:rPr lang="en-US" altLang="zh-CN" sz="1100" dirty="0"/>
+                <a:t>thread</a:t>
+              </a:r>
+              <a:endParaRPr lang="zh-CN" altLang="en-US" sz="1100" dirty="0"/>
+            </a:p>
+          </p:txBody>
+        </p:sp>
+        <p:grpSp>
+          <p:nvGrpSpPr>
+            <p:cNvPr id="151" name="!!nextWaiter">
+              <a:extLst>
+                <a:ext uri="{FF2B5EF4-FFF2-40B4-BE49-F238E27FC236}">
+                  <a16:creationId xmlns:a16="http://schemas.microsoft.com/office/drawing/2014/main" id="{BBC742A1-5DA6-4F17-8D28-920034F58385}"/>
+                </a:ext>
+              </a:extLst>
+            </p:cNvPr>
+            <p:cNvGrpSpPr/>
+            <p:nvPr/>
+          </p:nvGrpSpPr>
+          <p:grpSpPr>
+            <a:xfrm>
+              <a:off x="3091632" y="4360985"/>
+              <a:ext cx="889989" cy="387178"/>
+              <a:chOff x="4799131" y="4078830"/>
+              <a:chExt cx="2593734" cy="616262"/>
+            </a:xfrm>
+          </p:grpSpPr>
+          <p:sp>
+            <p:nvSpPr>
+              <p:cNvPr id="162" name="等腰三角形 161">
+                <a:extLst>
+                  <a:ext uri="{FF2B5EF4-FFF2-40B4-BE49-F238E27FC236}">
+                    <a16:creationId xmlns:a16="http://schemas.microsoft.com/office/drawing/2014/main" id="{CA3BA5DE-F6F8-4FFF-997B-1B77854FF47C}"/>
+                  </a:ext>
+                </a:extLst>
+              </p:cNvPr>
+              <p:cNvSpPr/>
+              <p:nvPr/>
+            </p:nvSpPr>
+            <p:spPr>
+              <a:xfrm rot="10800000">
+                <a:off x="4799134" y="4193931"/>
+                <a:ext cx="2593731" cy="501161"/>
+              </a:xfrm>
+              <a:prstGeom prst="triangle">
+                <a:avLst/>
+              </a:prstGeom>
+            </p:spPr>
+            <p:style>
+              <a:lnRef idx="2">
+                <a:schemeClr val="accent1">
+                  <a:shade val="50000"/>
+                </a:schemeClr>
+              </a:lnRef>
+              <a:fillRef idx="1">
+                <a:schemeClr val="accent1"/>
+              </a:fillRef>
+              <a:effectRef idx="0">
+                <a:schemeClr val="accent1"/>
+              </a:effectRef>
+              <a:fontRef idx="minor">
+                <a:schemeClr val="lt1"/>
+              </a:fontRef>
+            </p:style>
+            <p:txBody>
+              <a:bodyPr rtlCol="0" anchor="ctr"/>
+              <a:lstStyle/>
+              <a:p>
+                <a:pPr algn="ctr"/>
+                <a:endParaRPr lang="zh-CN" altLang="en-US" dirty="0"/>
+              </a:p>
+            </p:txBody>
+          </p:sp>
+          <p:sp>
+            <p:nvSpPr>
+              <p:cNvPr id="163" name="文本框 162">
+                <a:extLst>
+                  <a:ext uri="{FF2B5EF4-FFF2-40B4-BE49-F238E27FC236}">
+                    <a16:creationId xmlns:a16="http://schemas.microsoft.com/office/drawing/2014/main" id="{ADD2247A-AF75-4AC3-B032-EAE56A671379}"/>
+                  </a:ext>
+                </a:extLst>
+              </p:cNvPr>
+              <p:cNvSpPr txBox="1"/>
+              <p:nvPr/>
+            </p:nvSpPr>
+            <p:spPr>
+              <a:xfrm>
+                <a:off x="4799131" y="4078830"/>
+                <a:ext cx="889988" cy="261609"/>
+              </a:xfrm>
+              <a:prstGeom prst="rect">
+                <a:avLst/>
+              </a:prstGeom>
+              <a:noFill/>
+            </p:spPr>
+            <p:txBody>
+              <a:bodyPr wrap="none" rtlCol="0">
+                <a:spAutoFit/>
+              </a:bodyPr>
+              <a:lstStyle/>
+              <a:p>
+                <a:r>
+                  <a:rPr lang="en-US" altLang="zh-CN" sz="1100" b="0" i="0" u="none" strike="noStrike" baseline="0" dirty="0" err="1">
+                    <a:solidFill>
+                      <a:schemeClr val="bg1"/>
+                    </a:solidFill>
+                    <a:latin typeface="宋体" panose="02010600030101010101" pitchFamily="2" charset="-122"/>
+                    <a:ea typeface="宋体" panose="02010600030101010101" pitchFamily="2" charset="-122"/>
+                  </a:rPr>
+                  <a:t>nextWaiter</a:t>
+                </a:r>
+                <a:endParaRPr lang="zh-CN" altLang="en-US" sz="1100" dirty="0">
+                  <a:solidFill>
+                    <a:schemeClr val="bg1"/>
+                  </a:solidFill>
+                </a:endParaRPr>
+              </a:p>
+            </p:txBody>
+          </p:sp>
+        </p:grpSp>
+        <p:grpSp>
+          <p:nvGrpSpPr>
+            <p:cNvPr id="152" name="!!waitStatus">
+              <a:extLst>
+                <a:ext uri="{FF2B5EF4-FFF2-40B4-BE49-F238E27FC236}">
+                  <a16:creationId xmlns:a16="http://schemas.microsoft.com/office/drawing/2014/main" id="{182C25F0-0DAA-445E-B5DB-EB954A2B8802}"/>
+                </a:ext>
+              </a:extLst>
+            </p:cNvPr>
+            <p:cNvGrpSpPr/>
+            <p:nvPr/>
+          </p:nvGrpSpPr>
+          <p:grpSpPr>
+            <a:xfrm>
+              <a:off x="3091632" y="3429000"/>
+              <a:ext cx="889988" cy="252463"/>
+              <a:chOff x="4799133" y="2778370"/>
+              <a:chExt cx="2593731" cy="422030"/>
+            </a:xfrm>
+          </p:grpSpPr>
+          <p:sp>
+            <p:nvSpPr>
+              <p:cNvPr id="160" name="矩形: 圆角 159">
+                <a:extLst>
+                  <a:ext uri="{FF2B5EF4-FFF2-40B4-BE49-F238E27FC236}">
+                    <a16:creationId xmlns:a16="http://schemas.microsoft.com/office/drawing/2014/main" id="{B706D64D-BEB6-4CE6-B3BA-3921D871AD48}"/>
+                  </a:ext>
+                </a:extLst>
+              </p:cNvPr>
+              <p:cNvSpPr/>
+              <p:nvPr/>
+            </p:nvSpPr>
+            <p:spPr>
+              <a:xfrm>
+                <a:off x="4799133" y="2778370"/>
+                <a:ext cx="2593731" cy="422030"/>
+              </a:xfrm>
+              <a:prstGeom prst="roundRect">
+                <a:avLst/>
+              </a:prstGeom>
+            </p:spPr>
+            <p:style>
+              <a:lnRef idx="2">
+                <a:schemeClr val="accent1">
+                  <a:shade val="50000"/>
+                </a:schemeClr>
+              </a:lnRef>
+              <a:fillRef idx="1">
+                <a:schemeClr val="accent1"/>
+              </a:fillRef>
+              <a:effectRef idx="0">
+                <a:schemeClr val="accent1"/>
+              </a:effectRef>
+              <a:fontRef idx="minor">
+                <a:schemeClr val="lt1"/>
+              </a:fontRef>
+            </p:style>
+            <p:txBody>
+              <a:bodyPr rtlCol="0" anchor="ctr"/>
+              <a:lstStyle/>
+              <a:p>
+                <a:pPr algn="ctr"/>
+                <a:endParaRPr lang="zh-CN" altLang="en-US"/>
+              </a:p>
+            </p:txBody>
+          </p:sp>
+          <p:sp>
+            <p:nvSpPr>
+              <p:cNvPr id="161" name="文本框 160">
+                <a:extLst>
+                  <a:ext uri="{FF2B5EF4-FFF2-40B4-BE49-F238E27FC236}">
+                    <a16:creationId xmlns:a16="http://schemas.microsoft.com/office/drawing/2014/main" id="{5614E668-1B79-4A62-890C-8877485FC358}"/>
+                  </a:ext>
+                </a:extLst>
+              </p:cNvPr>
+              <p:cNvSpPr txBox="1"/>
+              <p:nvPr/>
+            </p:nvSpPr>
+            <p:spPr>
+              <a:xfrm>
+                <a:off x="4799133" y="2798335"/>
+                <a:ext cx="889987" cy="261610"/>
+              </a:xfrm>
+              <a:prstGeom prst="rect">
+                <a:avLst/>
+              </a:prstGeom>
+              <a:noFill/>
+            </p:spPr>
+            <p:txBody>
+              <a:bodyPr wrap="none" rtlCol="0">
+                <a:spAutoFit/>
+              </a:bodyPr>
+              <a:lstStyle/>
+              <a:p>
+                <a:r>
+                  <a:rPr lang="en-US" altLang="zh-CN" sz="1100" b="0" i="0" u="none" strike="noStrike" baseline="0" dirty="0" err="1">
+                    <a:solidFill>
+                      <a:schemeClr val="bg1"/>
+                    </a:solidFill>
+                    <a:latin typeface="宋体" panose="02010600030101010101" pitchFamily="2" charset="-122"/>
+                    <a:ea typeface="宋体" panose="02010600030101010101" pitchFamily="2" charset="-122"/>
+                  </a:rPr>
+                  <a:t>waitStatus</a:t>
+                </a:r>
+                <a:endParaRPr lang="zh-CN" altLang="en-US" dirty="0">
+                  <a:solidFill>
+                    <a:schemeClr val="bg1"/>
+                  </a:solidFill>
+                </a:endParaRPr>
+              </a:p>
+            </p:txBody>
+          </p:sp>
+        </p:grpSp>
+        <p:grpSp>
+          <p:nvGrpSpPr>
+            <p:cNvPr id="153" name="!!prev">
+              <a:extLst>
+                <a:ext uri="{FF2B5EF4-FFF2-40B4-BE49-F238E27FC236}">
+                  <a16:creationId xmlns:a16="http://schemas.microsoft.com/office/drawing/2014/main" id="{6DF78852-105F-428A-ACC8-1409957ED738}"/>
+                </a:ext>
+              </a:extLst>
+            </p:cNvPr>
+            <p:cNvGrpSpPr/>
+            <p:nvPr/>
+          </p:nvGrpSpPr>
+          <p:grpSpPr>
+            <a:xfrm>
+              <a:off x="2496851" y="3769386"/>
+              <a:ext cx="491701" cy="582804"/>
+              <a:chOff x="4036402" y="3270739"/>
+              <a:chExt cx="661621" cy="861647"/>
+            </a:xfrm>
+          </p:grpSpPr>
+          <p:sp>
+            <p:nvSpPr>
+              <p:cNvPr id="158" name="等腰三角形 157">
+                <a:extLst>
+                  <a:ext uri="{FF2B5EF4-FFF2-40B4-BE49-F238E27FC236}">
+                    <a16:creationId xmlns:a16="http://schemas.microsoft.com/office/drawing/2014/main" id="{B7C191BF-A6C3-4DB5-8937-E04250B60C78}"/>
+                  </a:ext>
+                </a:extLst>
+              </p:cNvPr>
+              <p:cNvSpPr/>
+              <p:nvPr/>
+            </p:nvSpPr>
+            <p:spPr>
+              <a:xfrm rot="16200000">
+                <a:off x="3936389" y="3370752"/>
+                <a:ext cx="861647" cy="661621"/>
+              </a:xfrm>
+              <a:prstGeom prst="triangle">
+                <a:avLst/>
+              </a:prstGeom>
+            </p:spPr>
+            <p:style>
+              <a:lnRef idx="2">
+                <a:schemeClr val="accent1">
+                  <a:shade val="50000"/>
+                </a:schemeClr>
+              </a:lnRef>
+              <a:fillRef idx="1">
+                <a:schemeClr val="accent1"/>
+              </a:fillRef>
+              <a:effectRef idx="0">
+                <a:schemeClr val="accent1"/>
+              </a:effectRef>
+              <a:fontRef idx="minor">
+                <a:schemeClr val="lt1"/>
+              </a:fontRef>
+            </p:style>
+            <p:txBody>
+              <a:bodyPr rtlCol="0" anchor="ctr"/>
+              <a:lstStyle/>
+              <a:p>
+                <a:pPr algn="ctr"/>
+                <a:endParaRPr lang="zh-CN" altLang="en-US"/>
+              </a:p>
+            </p:txBody>
+          </p:sp>
+          <p:sp>
+            <p:nvSpPr>
+              <p:cNvPr id="159" name="文本框 158">
+                <a:extLst>
+                  <a:ext uri="{FF2B5EF4-FFF2-40B4-BE49-F238E27FC236}">
+                    <a16:creationId xmlns:a16="http://schemas.microsoft.com/office/drawing/2014/main" id="{BB2052B5-F377-4A92-B81A-A036E9FD01E5}"/>
+                  </a:ext>
+                </a:extLst>
+              </p:cNvPr>
+              <p:cNvSpPr txBox="1"/>
+              <p:nvPr/>
+            </p:nvSpPr>
+            <p:spPr>
+              <a:xfrm>
+                <a:off x="4126292" y="3512499"/>
+                <a:ext cx="450764" cy="261610"/>
+              </a:xfrm>
+              <a:prstGeom prst="rect">
+                <a:avLst/>
+              </a:prstGeom>
+              <a:noFill/>
+            </p:spPr>
+            <p:txBody>
+              <a:bodyPr wrap="none" rtlCol="0">
+                <a:spAutoFit/>
+              </a:bodyPr>
+              <a:lstStyle/>
+              <a:p>
+                <a:r>
+                  <a:rPr lang="en-US" altLang="zh-CN" sz="1100" dirty="0" err="1">
+                    <a:solidFill>
+                      <a:schemeClr val="bg1"/>
+                    </a:solidFill>
+                  </a:rPr>
+                  <a:t>prev</a:t>
+                </a:r>
+                <a:endParaRPr lang="zh-CN" altLang="en-US" sz="1100" dirty="0">
+                  <a:solidFill>
+                    <a:schemeClr val="bg1"/>
+                  </a:solidFill>
+                </a:endParaRPr>
+              </a:p>
+            </p:txBody>
+          </p:sp>
+        </p:grpSp>
+        <p:grpSp>
+          <p:nvGrpSpPr>
+            <p:cNvPr id="154" name="!!next">
+              <a:extLst>
+                <a:ext uri="{FF2B5EF4-FFF2-40B4-BE49-F238E27FC236}">
+                  <a16:creationId xmlns:a16="http://schemas.microsoft.com/office/drawing/2014/main" id="{72A193AC-BF80-4192-8056-EE3F1955A7F0}"/>
+                </a:ext>
+              </a:extLst>
+            </p:cNvPr>
+            <p:cNvGrpSpPr/>
+            <p:nvPr/>
+          </p:nvGrpSpPr>
+          <p:grpSpPr>
+            <a:xfrm>
+              <a:off x="4084701" y="3769386"/>
+              <a:ext cx="412955" cy="591599"/>
+              <a:chOff x="7443421" y="3270738"/>
+              <a:chExt cx="712177" cy="861647"/>
+            </a:xfrm>
+          </p:grpSpPr>
+          <p:sp>
+            <p:nvSpPr>
+              <p:cNvPr id="156" name="等腰三角形 155">
+                <a:extLst>
+                  <a:ext uri="{FF2B5EF4-FFF2-40B4-BE49-F238E27FC236}">
+                    <a16:creationId xmlns:a16="http://schemas.microsoft.com/office/drawing/2014/main" id="{75FC331E-93A3-48CB-B0FB-3DFDD8B73C19}"/>
+                  </a:ext>
+                </a:extLst>
+              </p:cNvPr>
+              <p:cNvSpPr/>
+              <p:nvPr/>
+            </p:nvSpPr>
+            <p:spPr>
+              <a:xfrm rot="5400000">
+                <a:off x="7393964" y="3370751"/>
+                <a:ext cx="861647" cy="661621"/>
+              </a:xfrm>
+              <a:prstGeom prst="triangle">
+                <a:avLst/>
+              </a:prstGeom>
+            </p:spPr>
+            <p:style>
+              <a:lnRef idx="2">
+                <a:schemeClr val="accent1">
+                  <a:shade val="50000"/>
+                </a:schemeClr>
+              </a:lnRef>
+              <a:fillRef idx="1">
+                <a:schemeClr val="accent1"/>
+              </a:fillRef>
+              <a:effectRef idx="0">
+                <a:schemeClr val="accent1"/>
+              </a:effectRef>
+              <a:fontRef idx="minor">
+                <a:schemeClr val="lt1"/>
+              </a:fontRef>
+            </p:style>
+            <p:txBody>
+              <a:bodyPr rtlCol="0" anchor="ctr"/>
+              <a:lstStyle/>
+              <a:p>
+                <a:pPr algn="ctr"/>
+                <a:endParaRPr lang="zh-CN" altLang="en-US"/>
+              </a:p>
+            </p:txBody>
+          </p:sp>
+          <p:sp>
+            <p:nvSpPr>
+              <p:cNvPr id="157" name="文本框 156">
+                <a:extLst>
+                  <a:ext uri="{FF2B5EF4-FFF2-40B4-BE49-F238E27FC236}">
+                    <a16:creationId xmlns:a16="http://schemas.microsoft.com/office/drawing/2014/main" id="{E6784F99-9695-452E-A9B9-631C12F1777B}"/>
+                  </a:ext>
+                </a:extLst>
+              </p:cNvPr>
+              <p:cNvSpPr txBox="1"/>
+              <p:nvPr/>
+            </p:nvSpPr>
+            <p:spPr>
+              <a:xfrm>
+                <a:off x="7443421" y="3512499"/>
+                <a:ext cx="441146" cy="261610"/>
+              </a:xfrm>
+              <a:prstGeom prst="rect">
+                <a:avLst/>
+              </a:prstGeom>
+              <a:noFill/>
+            </p:spPr>
+            <p:txBody>
+              <a:bodyPr wrap="none" rtlCol="0">
+                <a:spAutoFit/>
+              </a:bodyPr>
+              <a:lstStyle/>
+              <a:p>
+                <a:r>
+                  <a:rPr lang="en-US" altLang="zh-CN" sz="1100" dirty="0">
+                    <a:solidFill>
+                      <a:schemeClr val="bg1"/>
+                    </a:solidFill>
+                  </a:rPr>
+                  <a:t>next</a:t>
+                </a:r>
+                <a:endParaRPr lang="zh-CN" altLang="en-US" sz="1100" dirty="0">
+                  <a:solidFill>
+                    <a:schemeClr val="bg1"/>
+                  </a:solidFill>
+                </a:endParaRPr>
+              </a:p>
+            </p:txBody>
+          </p:sp>
+        </p:grpSp>
+        <p:sp>
+          <p:nvSpPr>
+            <p:cNvPr id="155" name="文本框 154">
+              <a:extLst>
+                <a:ext uri="{FF2B5EF4-FFF2-40B4-BE49-F238E27FC236}">
+                  <a16:creationId xmlns:a16="http://schemas.microsoft.com/office/drawing/2014/main" id="{81110E0A-A367-4BB4-8DDA-14171344D8EB}"/>
+                </a:ext>
+              </a:extLst>
+            </p:cNvPr>
+            <p:cNvSpPr txBox="1"/>
+            <p:nvPr/>
+          </p:nvSpPr>
+          <p:spPr>
+            <a:xfrm>
+              <a:off x="3167775" y="3012925"/>
+              <a:ext cx="761747" cy="369332"/>
+            </a:xfrm>
+            <a:prstGeom prst="rect">
+              <a:avLst/>
+            </a:prstGeom>
+            <a:noFill/>
+          </p:spPr>
+          <p:txBody>
+            <a:bodyPr wrap="none" rtlCol="0">
+              <a:spAutoFit/>
+            </a:bodyPr>
+            <a:lstStyle/>
+            <a:p>
+              <a:r>
+                <a:rPr lang="en-US" altLang="zh-CN" b="1" dirty="0">
+                  <a:solidFill>
+                    <a:schemeClr val="accent1"/>
+                  </a:solidFill>
+                </a:rPr>
+                <a:t>Node</a:t>
+              </a:r>
+              <a:endParaRPr lang="zh-CN" altLang="en-US" b="1" dirty="0">
+                <a:solidFill>
+                  <a:schemeClr val="accent1"/>
+                </a:solidFill>
+              </a:endParaRPr>
+            </a:p>
+          </p:txBody>
+        </p:sp>
+      </p:grpSp>
+      <p:grpSp>
+        <p:nvGrpSpPr>
+          <p:cNvPr id="164" name="!!node">
+            <a:extLst>
+              <a:ext uri="{FF2B5EF4-FFF2-40B4-BE49-F238E27FC236}">
+                <a16:creationId xmlns:a16="http://schemas.microsoft.com/office/drawing/2014/main" id="{D06A1861-1E18-4A58-8D92-66C1478976D8}"/>
+              </a:ext>
+            </a:extLst>
+          </p:cNvPr>
+          <p:cNvGrpSpPr/>
+          <p:nvPr/>
+        </p:nvGrpSpPr>
+        <p:grpSpPr>
+          <a:xfrm>
+            <a:off x="9131055" y="2944308"/>
+            <a:ext cx="2295331" cy="1913638"/>
+            <a:chOff x="2360645" y="3012925"/>
+            <a:chExt cx="2295331" cy="1913638"/>
+          </a:xfrm>
+        </p:grpSpPr>
+        <p:sp>
+          <p:nvSpPr>
+            <p:cNvPr id="165" name="矩形 164">
+              <a:extLst>
+                <a:ext uri="{FF2B5EF4-FFF2-40B4-BE49-F238E27FC236}">
+                  <a16:creationId xmlns:a16="http://schemas.microsoft.com/office/drawing/2014/main" id="{7B1EAE06-BCCD-4702-A8E1-B2C0F7CD0CAC}"/>
+                </a:ext>
+              </a:extLst>
+            </p:cNvPr>
+            <p:cNvSpPr/>
+            <p:nvPr/>
+          </p:nvSpPr>
+          <p:spPr>
+            <a:xfrm>
+              <a:off x="2360645" y="3012925"/>
+              <a:ext cx="2295331" cy="1913638"/>
+            </a:xfrm>
+            <a:prstGeom prst="rect">
+              <a:avLst/>
+            </a:prstGeom>
+            <a:solidFill>
+              <a:schemeClr val="bg1"/>
+            </a:solidFill>
+          </p:spPr>
+          <p:style>
+            <a:lnRef idx="2">
+              <a:schemeClr val="accent1">
+                <a:shade val="50000"/>
+              </a:schemeClr>
+            </a:lnRef>
+            <a:fillRef idx="1">
+              <a:schemeClr val="accent1"/>
+            </a:fillRef>
+            <a:effectRef idx="0">
+              <a:schemeClr val="accent1"/>
+            </a:effectRef>
+            <a:fontRef idx="minor">
+              <a:schemeClr val="lt1"/>
+            </a:fontRef>
+          </p:style>
+          <p:txBody>
+            <a:bodyPr rtlCol="0" anchor="ctr"/>
+            <a:lstStyle/>
+            <a:p>
+              <a:pPr algn="ctr"/>
+              <a:endParaRPr lang="zh-CN" altLang="en-US"/>
+            </a:p>
+          </p:txBody>
+        </p:sp>
+        <p:sp>
+          <p:nvSpPr>
+            <p:cNvPr id="166" name="!!thread">
+              <a:extLst>
+                <a:ext uri="{FF2B5EF4-FFF2-40B4-BE49-F238E27FC236}">
+                  <a16:creationId xmlns:a16="http://schemas.microsoft.com/office/drawing/2014/main" id="{88D1C264-474D-4721-80AE-8A2B703D36B2}"/>
+                </a:ext>
+              </a:extLst>
+            </p:cNvPr>
+            <p:cNvSpPr/>
+            <p:nvPr/>
+          </p:nvSpPr>
+          <p:spPr>
+            <a:xfrm>
+              <a:off x="3091633" y="3769386"/>
+              <a:ext cx="889988" cy="591599"/>
+            </a:xfrm>
+            <a:prstGeom prst="rect">
+              <a:avLst/>
+            </a:prstGeom>
+          </p:spPr>
+          <p:style>
+            <a:lnRef idx="2">
+              <a:schemeClr val="accent1">
+                <a:shade val="50000"/>
+              </a:schemeClr>
+            </a:lnRef>
+            <a:fillRef idx="1">
+              <a:schemeClr val="accent1"/>
+            </a:fillRef>
+            <a:effectRef idx="0">
+              <a:schemeClr val="accent1"/>
+            </a:effectRef>
+            <a:fontRef idx="minor">
+              <a:schemeClr val="lt1"/>
+            </a:fontRef>
+          </p:style>
+          <p:txBody>
+            <a:bodyPr rtlCol="0" anchor="ctr"/>
+            <a:lstStyle/>
+            <a:p>
+              <a:pPr algn="ctr"/>
+              <a:r>
+                <a:rPr lang="en-US" altLang="zh-CN" sz="1100" dirty="0"/>
+                <a:t>thread</a:t>
+              </a:r>
+              <a:endParaRPr lang="zh-CN" altLang="en-US" sz="1100" dirty="0"/>
+            </a:p>
+          </p:txBody>
+        </p:sp>
+        <p:grpSp>
+          <p:nvGrpSpPr>
+            <p:cNvPr id="167" name="!!nextWaiter">
+              <a:extLst>
+                <a:ext uri="{FF2B5EF4-FFF2-40B4-BE49-F238E27FC236}">
+                  <a16:creationId xmlns:a16="http://schemas.microsoft.com/office/drawing/2014/main" id="{32D6B1C4-DA6F-461D-A28A-76E112A3AAA6}"/>
+                </a:ext>
+              </a:extLst>
+            </p:cNvPr>
+            <p:cNvGrpSpPr/>
+            <p:nvPr/>
+          </p:nvGrpSpPr>
+          <p:grpSpPr>
+            <a:xfrm>
+              <a:off x="3091632" y="4360985"/>
+              <a:ext cx="889989" cy="387178"/>
+              <a:chOff x="4799131" y="4078830"/>
+              <a:chExt cx="2593734" cy="616262"/>
+            </a:xfrm>
+          </p:grpSpPr>
+          <p:sp>
+            <p:nvSpPr>
+              <p:cNvPr id="178" name="等腰三角形 177">
+                <a:extLst>
+                  <a:ext uri="{FF2B5EF4-FFF2-40B4-BE49-F238E27FC236}">
+                    <a16:creationId xmlns:a16="http://schemas.microsoft.com/office/drawing/2014/main" id="{3E4598FD-22EE-471A-AAF5-79138F6B7F58}"/>
+                  </a:ext>
+                </a:extLst>
+              </p:cNvPr>
+              <p:cNvSpPr/>
+              <p:nvPr/>
+            </p:nvSpPr>
+            <p:spPr>
+              <a:xfrm rot="10800000">
+                <a:off x="4799134" y="4193931"/>
+                <a:ext cx="2593731" cy="501161"/>
+              </a:xfrm>
+              <a:prstGeom prst="triangle">
+                <a:avLst/>
+              </a:prstGeom>
+            </p:spPr>
+            <p:style>
+              <a:lnRef idx="2">
+                <a:schemeClr val="accent1">
+                  <a:shade val="50000"/>
+                </a:schemeClr>
+              </a:lnRef>
+              <a:fillRef idx="1">
+                <a:schemeClr val="accent1"/>
+              </a:fillRef>
+              <a:effectRef idx="0">
+                <a:schemeClr val="accent1"/>
+              </a:effectRef>
+              <a:fontRef idx="minor">
+                <a:schemeClr val="lt1"/>
+              </a:fontRef>
+            </p:style>
+            <p:txBody>
+              <a:bodyPr rtlCol="0" anchor="ctr"/>
+              <a:lstStyle/>
+              <a:p>
+                <a:pPr algn="ctr"/>
+                <a:endParaRPr lang="zh-CN" altLang="en-US" dirty="0"/>
+              </a:p>
+            </p:txBody>
+          </p:sp>
+          <p:sp>
+            <p:nvSpPr>
+              <p:cNvPr id="179" name="文本框 178">
+                <a:extLst>
+                  <a:ext uri="{FF2B5EF4-FFF2-40B4-BE49-F238E27FC236}">
+                    <a16:creationId xmlns:a16="http://schemas.microsoft.com/office/drawing/2014/main" id="{F688EF71-9923-4604-9858-78983B7248E1}"/>
+                  </a:ext>
+                </a:extLst>
+              </p:cNvPr>
+              <p:cNvSpPr txBox="1"/>
+              <p:nvPr/>
+            </p:nvSpPr>
+            <p:spPr>
+              <a:xfrm>
+                <a:off x="4799131" y="4078830"/>
+                <a:ext cx="889988" cy="261609"/>
+              </a:xfrm>
+              <a:prstGeom prst="rect">
+                <a:avLst/>
+              </a:prstGeom>
+              <a:noFill/>
+            </p:spPr>
+            <p:txBody>
+              <a:bodyPr wrap="none" rtlCol="0">
+                <a:spAutoFit/>
+              </a:bodyPr>
+              <a:lstStyle/>
+              <a:p>
+                <a:r>
+                  <a:rPr lang="en-US" altLang="zh-CN" sz="1100" b="0" i="0" u="none" strike="noStrike" baseline="0" dirty="0" err="1">
+                    <a:solidFill>
+                      <a:schemeClr val="bg1"/>
+                    </a:solidFill>
+                    <a:latin typeface="宋体" panose="02010600030101010101" pitchFamily="2" charset="-122"/>
+                    <a:ea typeface="宋体" panose="02010600030101010101" pitchFamily="2" charset="-122"/>
+                  </a:rPr>
+                  <a:t>nextWaiter</a:t>
+                </a:r>
+                <a:endParaRPr lang="zh-CN" altLang="en-US" sz="1100" dirty="0">
+                  <a:solidFill>
+                    <a:schemeClr val="bg1"/>
+                  </a:solidFill>
+                </a:endParaRPr>
+              </a:p>
+            </p:txBody>
+          </p:sp>
+        </p:grpSp>
+        <p:grpSp>
+          <p:nvGrpSpPr>
+            <p:cNvPr id="168" name="!!waitStatus">
+              <a:extLst>
+                <a:ext uri="{FF2B5EF4-FFF2-40B4-BE49-F238E27FC236}">
+                  <a16:creationId xmlns:a16="http://schemas.microsoft.com/office/drawing/2014/main" id="{C9114761-6269-424F-AA55-0E6FD2BF615B}"/>
+                </a:ext>
+              </a:extLst>
+            </p:cNvPr>
+            <p:cNvGrpSpPr/>
+            <p:nvPr/>
+          </p:nvGrpSpPr>
+          <p:grpSpPr>
+            <a:xfrm>
+              <a:off x="3091632" y="3429000"/>
+              <a:ext cx="889988" cy="252463"/>
+              <a:chOff x="4799133" y="2778370"/>
+              <a:chExt cx="2593731" cy="422030"/>
+            </a:xfrm>
+          </p:grpSpPr>
+          <p:sp>
+            <p:nvSpPr>
+              <p:cNvPr id="176" name="矩形: 圆角 175">
+                <a:extLst>
+                  <a:ext uri="{FF2B5EF4-FFF2-40B4-BE49-F238E27FC236}">
+                    <a16:creationId xmlns:a16="http://schemas.microsoft.com/office/drawing/2014/main" id="{DEF57DEA-1EB7-406A-B8EE-2E1316B55222}"/>
+                  </a:ext>
+                </a:extLst>
+              </p:cNvPr>
+              <p:cNvSpPr/>
+              <p:nvPr/>
+            </p:nvSpPr>
+            <p:spPr>
+              <a:xfrm>
+                <a:off x="4799133" y="2778370"/>
+                <a:ext cx="2593731" cy="422030"/>
+              </a:xfrm>
+              <a:prstGeom prst="roundRect">
+                <a:avLst/>
+              </a:prstGeom>
+            </p:spPr>
+            <p:style>
+              <a:lnRef idx="2">
+                <a:schemeClr val="accent1">
+                  <a:shade val="50000"/>
+                </a:schemeClr>
+              </a:lnRef>
+              <a:fillRef idx="1">
+                <a:schemeClr val="accent1"/>
+              </a:fillRef>
+              <a:effectRef idx="0">
+                <a:schemeClr val="accent1"/>
+              </a:effectRef>
+              <a:fontRef idx="minor">
+                <a:schemeClr val="lt1"/>
+              </a:fontRef>
+            </p:style>
+            <p:txBody>
+              <a:bodyPr rtlCol="0" anchor="ctr"/>
+              <a:lstStyle/>
+              <a:p>
+                <a:pPr algn="ctr"/>
+                <a:endParaRPr lang="zh-CN" altLang="en-US"/>
+              </a:p>
+            </p:txBody>
+          </p:sp>
+          <p:sp>
+            <p:nvSpPr>
+              <p:cNvPr id="177" name="文本框 176">
+                <a:extLst>
+                  <a:ext uri="{FF2B5EF4-FFF2-40B4-BE49-F238E27FC236}">
+                    <a16:creationId xmlns:a16="http://schemas.microsoft.com/office/drawing/2014/main" id="{BFB4C262-475B-499D-A7C7-71CFC7468DE8}"/>
+                  </a:ext>
+                </a:extLst>
+              </p:cNvPr>
+              <p:cNvSpPr txBox="1"/>
+              <p:nvPr/>
+            </p:nvSpPr>
+            <p:spPr>
+              <a:xfrm>
+                <a:off x="4799133" y="2798335"/>
+                <a:ext cx="889987" cy="261610"/>
+              </a:xfrm>
+              <a:prstGeom prst="rect">
+                <a:avLst/>
+              </a:prstGeom>
+              <a:noFill/>
+            </p:spPr>
+            <p:txBody>
+              <a:bodyPr wrap="none" rtlCol="0">
+                <a:spAutoFit/>
+              </a:bodyPr>
+              <a:lstStyle/>
+              <a:p>
+                <a:r>
+                  <a:rPr lang="en-US" altLang="zh-CN" sz="1100" b="0" i="0" u="none" strike="noStrike" baseline="0" dirty="0" err="1">
+                    <a:solidFill>
+                      <a:schemeClr val="bg1"/>
+                    </a:solidFill>
+                    <a:latin typeface="宋体" panose="02010600030101010101" pitchFamily="2" charset="-122"/>
+                    <a:ea typeface="宋体" panose="02010600030101010101" pitchFamily="2" charset="-122"/>
+                  </a:rPr>
+                  <a:t>waitStatus</a:t>
+                </a:r>
+                <a:endParaRPr lang="zh-CN" altLang="en-US" dirty="0">
+                  <a:solidFill>
+                    <a:schemeClr val="bg1"/>
+                  </a:solidFill>
+                </a:endParaRPr>
+              </a:p>
+            </p:txBody>
+          </p:sp>
+        </p:grpSp>
+        <p:grpSp>
+          <p:nvGrpSpPr>
+            <p:cNvPr id="169" name="!!prev">
+              <a:extLst>
+                <a:ext uri="{FF2B5EF4-FFF2-40B4-BE49-F238E27FC236}">
+                  <a16:creationId xmlns:a16="http://schemas.microsoft.com/office/drawing/2014/main" id="{14838D08-6FF4-4769-A5DA-9A8FC7ECDEA9}"/>
+                </a:ext>
+              </a:extLst>
+            </p:cNvPr>
+            <p:cNvGrpSpPr/>
+            <p:nvPr/>
+          </p:nvGrpSpPr>
+          <p:grpSpPr>
+            <a:xfrm>
+              <a:off x="2496851" y="3769386"/>
+              <a:ext cx="491701" cy="582804"/>
+              <a:chOff x="4036402" y="3270739"/>
+              <a:chExt cx="661621" cy="861647"/>
+            </a:xfrm>
+          </p:grpSpPr>
+          <p:sp>
+            <p:nvSpPr>
+              <p:cNvPr id="174" name="等腰三角形 173">
+                <a:extLst>
+                  <a:ext uri="{FF2B5EF4-FFF2-40B4-BE49-F238E27FC236}">
+                    <a16:creationId xmlns:a16="http://schemas.microsoft.com/office/drawing/2014/main" id="{A2943EB5-109D-485E-A8C8-F652380F443C}"/>
+                  </a:ext>
+                </a:extLst>
+              </p:cNvPr>
+              <p:cNvSpPr/>
+              <p:nvPr/>
+            </p:nvSpPr>
+            <p:spPr>
+              <a:xfrm rot="16200000">
+                <a:off x="3936389" y="3370752"/>
+                <a:ext cx="861647" cy="661621"/>
+              </a:xfrm>
+              <a:prstGeom prst="triangle">
+                <a:avLst/>
+              </a:prstGeom>
+            </p:spPr>
+            <p:style>
+              <a:lnRef idx="2">
+                <a:schemeClr val="accent1">
+                  <a:shade val="50000"/>
+                </a:schemeClr>
+              </a:lnRef>
+              <a:fillRef idx="1">
+                <a:schemeClr val="accent1"/>
+              </a:fillRef>
+              <a:effectRef idx="0">
+                <a:schemeClr val="accent1"/>
+              </a:effectRef>
+              <a:fontRef idx="minor">
+                <a:schemeClr val="lt1"/>
+              </a:fontRef>
+            </p:style>
+            <p:txBody>
+              <a:bodyPr rtlCol="0" anchor="ctr"/>
+              <a:lstStyle/>
+              <a:p>
+                <a:pPr algn="ctr"/>
+                <a:endParaRPr lang="zh-CN" altLang="en-US"/>
+              </a:p>
+            </p:txBody>
+          </p:sp>
+          <p:sp>
+            <p:nvSpPr>
+              <p:cNvPr id="175" name="文本框 174">
+                <a:extLst>
+                  <a:ext uri="{FF2B5EF4-FFF2-40B4-BE49-F238E27FC236}">
+                    <a16:creationId xmlns:a16="http://schemas.microsoft.com/office/drawing/2014/main" id="{65A2C6DB-B8E1-417F-A459-C18023D3C826}"/>
+                  </a:ext>
+                </a:extLst>
+              </p:cNvPr>
+              <p:cNvSpPr txBox="1"/>
+              <p:nvPr/>
+            </p:nvSpPr>
+            <p:spPr>
+              <a:xfrm>
+                <a:off x="4126292" y="3512499"/>
+                <a:ext cx="450764" cy="261610"/>
+              </a:xfrm>
+              <a:prstGeom prst="rect">
+                <a:avLst/>
+              </a:prstGeom>
+              <a:noFill/>
+            </p:spPr>
+            <p:txBody>
+              <a:bodyPr wrap="none" rtlCol="0">
+                <a:spAutoFit/>
+              </a:bodyPr>
+              <a:lstStyle/>
+              <a:p>
+                <a:r>
+                  <a:rPr lang="en-US" altLang="zh-CN" sz="1100" dirty="0" err="1">
+                    <a:solidFill>
+                      <a:schemeClr val="bg1"/>
+                    </a:solidFill>
+                  </a:rPr>
+                  <a:t>prev</a:t>
+                </a:r>
+                <a:endParaRPr lang="zh-CN" altLang="en-US" sz="1100" dirty="0">
+                  <a:solidFill>
+                    <a:schemeClr val="bg1"/>
+                  </a:solidFill>
+                </a:endParaRPr>
+              </a:p>
+            </p:txBody>
+          </p:sp>
+        </p:grpSp>
+        <p:grpSp>
+          <p:nvGrpSpPr>
+            <p:cNvPr id="170" name="!!next">
+              <a:extLst>
+                <a:ext uri="{FF2B5EF4-FFF2-40B4-BE49-F238E27FC236}">
+                  <a16:creationId xmlns:a16="http://schemas.microsoft.com/office/drawing/2014/main" id="{AA9266C7-D4E6-4084-8ED5-714C85BB627A}"/>
+                </a:ext>
+              </a:extLst>
+            </p:cNvPr>
+            <p:cNvGrpSpPr/>
+            <p:nvPr/>
+          </p:nvGrpSpPr>
+          <p:grpSpPr>
+            <a:xfrm>
+              <a:off x="4084701" y="3769386"/>
+              <a:ext cx="412955" cy="591599"/>
+              <a:chOff x="7443421" y="3270738"/>
+              <a:chExt cx="712177" cy="861647"/>
+            </a:xfrm>
+          </p:grpSpPr>
+          <p:sp>
+            <p:nvSpPr>
+              <p:cNvPr id="172" name="等腰三角形 171">
+                <a:extLst>
+                  <a:ext uri="{FF2B5EF4-FFF2-40B4-BE49-F238E27FC236}">
+                    <a16:creationId xmlns:a16="http://schemas.microsoft.com/office/drawing/2014/main" id="{710FDCBC-212E-4195-803B-353D90328D98}"/>
+                  </a:ext>
+                </a:extLst>
+              </p:cNvPr>
+              <p:cNvSpPr/>
+              <p:nvPr/>
+            </p:nvSpPr>
+            <p:spPr>
+              <a:xfrm rot="5400000">
+                <a:off x="7393964" y="3370751"/>
+                <a:ext cx="861647" cy="661621"/>
+              </a:xfrm>
+              <a:prstGeom prst="triangle">
+                <a:avLst/>
+              </a:prstGeom>
+            </p:spPr>
+            <p:style>
+              <a:lnRef idx="2">
+                <a:schemeClr val="accent1">
+                  <a:shade val="50000"/>
+                </a:schemeClr>
+              </a:lnRef>
+              <a:fillRef idx="1">
+                <a:schemeClr val="accent1"/>
+              </a:fillRef>
+              <a:effectRef idx="0">
+                <a:schemeClr val="accent1"/>
+              </a:effectRef>
+              <a:fontRef idx="minor">
+                <a:schemeClr val="lt1"/>
+              </a:fontRef>
+            </p:style>
+            <p:txBody>
+              <a:bodyPr rtlCol="0" anchor="ctr"/>
+              <a:lstStyle/>
+              <a:p>
+                <a:pPr algn="ctr"/>
+                <a:endParaRPr lang="zh-CN" altLang="en-US"/>
+              </a:p>
+            </p:txBody>
+          </p:sp>
+          <p:sp>
+            <p:nvSpPr>
+              <p:cNvPr id="173" name="文本框 172">
+                <a:extLst>
+                  <a:ext uri="{FF2B5EF4-FFF2-40B4-BE49-F238E27FC236}">
+                    <a16:creationId xmlns:a16="http://schemas.microsoft.com/office/drawing/2014/main" id="{75E07E90-9513-4F08-91C3-AC41EF5D30E1}"/>
+                  </a:ext>
+                </a:extLst>
+              </p:cNvPr>
+              <p:cNvSpPr txBox="1"/>
+              <p:nvPr/>
+            </p:nvSpPr>
+            <p:spPr>
+              <a:xfrm>
+                <a:off x="7443421" y="3512499"/>
+                <a:ext cx="441146" cy="261610"/>
+              </a:xfrm>
+              <a:prstGeom prst="rect">
+                <a:avLst/>
+              </a:prstGeom>
+              <a:noFill/>
+            </p:spPr>
+            <p:txBody>
+              <a:bodyPr wrap="none" rtlCol="0">
+                <a:spAutoFit/>
+              </a:bodyPr>
+              <a:lstStyle/>
+              <a:p>
+                <a:r>
+                  <a:rPr lang="en-US" altLang="zh-CN" sz="1100" dirty="0">
+                    <a:solidFill>
+                      <a:schemeClr val="bg1"/>
+                    </a:solidFill>
+                  </a:rPr>
+                  <a:t>next</a:t>
+                </a:r>
+                <a:endParaRPr lang="zh-CN" altLang="en-US" sz="1100" dirty="0">
+                  <a:solidFill>
+                    <a:schemeClr val="bg1"/>
+                  </a:solidFill>
+                </a:endParaRPr>
+              </a:p>
+            </p:txBody>
+          </p:sp>
+        </p:grpSp>
+        <p:sp>
+          <p:nvSpPr>
+            <p:cNvPr id="171" name="文本框 170">
+              <a:extLst>
+                <a:ext uri="{FF2B5EF4-FFF2-40B4-BE49-F238E27FC236}">
+                  <a16:creationId xmlns:a16="http://schemas.microsoft.com/office/drawing/2014/main" id="{2486AF35-F01B-4F4E-A609-0B4950372315}"/>
+                </a:ext>
+              </a:extLst>
+            </p:cNvPr>
+            <p:cNvSpPr txBox="1"/>
+            <p:nvPr/>
+          </p:nvSpPr>
+          <p:spPr>
+            <a:xfrm>
+              <a:off x="3167775" y="3012925"/>
+              <a:ext cx="761747" cy="369332"/>
+            </a:xfrm>
+            <a:prstGeom prst="rect">
+              <a:avLst/>
+            </a:prstGeom>
+            <a:noFill/>
+          </p:spPr>
+          <p:txBody>
+            <a:bodyPr wrap="none" rtlCol="0">
+              <a:spAutoFit/>
+            </a:bodyPr>
+            <a:lstStyle/>
+            <a:p>
+              <a:r>
+                <a:rPr lang="en-US" altLang="zh-CN" b="1" dirty="0">
+                  <a:solidFill>
+                    <a:schemeClr val="accent1"/>
+                  </a:solidFill>
+                </a:rPr>
+                <a:t>Node</a:t>
+              </a:r>
+              <a:endParaRPr lang="zh-CN" altLang="en-US" b="1" dirty="0">
+                <a:solidFill>
+                  <a:schemeClr val="accent1"/>
+                </a:solidFill>
+              </a:endParaRPr>
+            </a:p>
+          </p:txBody>
+        </p:sp>
+      </p:grpSp>
+      <p:cxnSp>
+        <p:nvCxnSpPr>
+          <p:cNvPr id="181" name="连接符: 肘形 180">
+            <a:extLst>
+              <a:ext uri="{FF2B5EF4-FFF2-40B4-BE49-F238E27FC236}">
+                <a16:creationId xmlns:a16="http://schemas.microsoft.com/office/drawing/2014/main" id="{1EE300A0-6AF1-4CF8-BAC1-FD48A0F9B83C}"/>
+              </a:ext>
+            </a:extLst>
+          </p:cNvPr>
+          <p:cNvCxnSpPr>
+            <a:cxnSpLocks/>
+            <a:stCxn id="162" idx="0"/>
+            <a:endCxn id="171" idx="0"/>
+          </p:cNvCxnSpPr>
+          <p:nvPr/>
+        </p:nvCxnSpPr>
+        <p:spPr>
+          <a:xfrm rot="5400000" flipH="1" flipV="1">
+            <a:off x="7331107" y="1639956"/>
+            <a:ext cx="1683599" cy="4292303"/>
+          </a:xfrm>
+          <a:prstGeom prst="bentConnector5">
+            <a:avLst>
+              <a:gd name="adj1" fmla="val 0"/>
+              <a:gd name="adj2" fmla="val 50747"/>
+              <a:gd name="adj3" fmla="val 113578"/>
+            </a:avLst>
+          </a:prstGeom>
+          <a:ln>
+            <a:prstDash val="dashDot"/>
+            <a:tailEnd type="triangle"/>
+          </a:ln>
+        </p:spPr>
+        <p:style>
+          <a:lnRef idx="1">
+            <a:schemeClr val="accent1"/>
+          </a:lnRef>
+          <a:fillRef idx="0">
+            <a:schemeClr val="accent1"/>
+          </a:fillRef>
+          <a:effectRef idx="0">
+            <a:schemeClr val="accent1"/>
+          </a:effectRef>
+          <a:fontRef idx="minor">
+            <a:schemeClr val="tx1"/>
+          </a:fontRef>
+        </p:style>
+      </p:cxnSp>
+      <p:cxnSp>
+        <p:nvCxnSpPr>
+          <p:cNvPr id="183" name="连接符: 肘形 182">
+            <a:extLst>
+              <a:ext uri="{FF2B5EF4-FFF2-40B4-BE49-F238E27FC236}">
+                <a16:creationId xmlns:a16="http://schemas.microsoft.com/office/drawing/2014/main" id="{6EC17A5D-58CB-400F-A4A3-0ED42004B835}"/>
+              </a:ext>
+            </a:extLst>
+          </p:cNvPr>
+          <p:cNvCxnSpPr>
+            <a:cxnSpLocks/>
+            <a:stCxn id="146" idx="0"/>
+            <a:endCxn id="155" idx="0"/>
+          </p:cNvCxnSpPr>
+          <p:nvPr/>
+        </p:nvCxnSpPr>
+        <p:spPr>
+          <a:xfrm rot="5400000" flipH="1" flipV="1">
+            <a:off x="2985810" y="1574939"/>
+            <a:ext cx="1735238" cy="4370698"/>
+          </a:xfrm>
+          <a:prstGeom prst="bentConnector5">
+            <a:avLst>
+              <a:gd name="adj1" fmla="val 507"/>
+              <a:gd name="adj2" fmla="val 50734"/>
+              <a:gd name="adj3" fmla="val 113174"/>
+            </a:avLst>
+          </a:prstGeom>
+          <a:ln>
+            <a:prstDash val="dashDot"/>
+            <a:tailEnd type="triangle"/>
+          </a:ln>
+        </p:spPr>
+        <p:style>
+          <a:lnRef idx="1">
+            <a:schemeClr val="accent1"/>
+          </a:lnRef>
+          <a:fillRef idx="0">
+            <a:schemeClr val="accent1"/>
+          </a:fillRef>
+          <a:effectRef idx="0">
+            <a:schemeClr val="accent1"/>
+          </a:effectRef>
+          <a:fontRef idx="minor">
+            <a:schemeClr val="tx1"/>
+          </a:fontRef>
+        </p:style>
+      </p:cxnSp>
+      <p:cxnSp>
+        <p:nvCxnSpPr>
+          <p:cNvPr id="184" name="直接箭头连接符 183">
+            <a:extLst>
+              <a:ext uri="{FF2B5EF4-FFF2-40B4-BE49-F238E27FC236}">
+                <a16:creationId xmlns:a16="http://schemas.microsoft.com/office/drawing/2014/main" id="{56E61376-7FAF-4C52-84B4-2518E952FEC2}"/>
+              </a:ext>
+            </a:extLst>
+          </p:cNvPr>
+          <p:cNvCxnSpPr>
+            <a:stCxn id="125" idx="0"/>
+            <a:endCxn id="139" idx="0"/>
+          </p:cNvCxnSpPr>
+          <p:nvPr/>
+        </p:nvCxnSpPr>
+        <p:spPr>
+          <a:xfrm>
+            <a:off x="1680100" y="2131566"/>
+            <a:ext cx="2" cy="761103"/>
+          </a:xfrm>
+          <a:prstGeom prst="straightConnector1">
+            <a:avLst/>
+          </a:prstGeom>
+          <a:ln>
+            <a:prstDash val="lgDash"/>
+            <a:tailEnd type="triangle"/>
+          </a:ln>
+        </p:spPr>
+        <p:style>
+          <a:lnRef idx="1">
+            <a:schemeClr val="accent1"/>
+          </a:lnRef>
+          <a:fillRef idx="0">
+            <a:schemeClr val="accent1"/>
+          </a:fillRef>
+          <a:effectRef idx="0">
+            <a:schemeClr val="accent1"/>
+          </a:effectRef>
+          <a:fontRef idx="minor">
+            <a:schemeClr val="tx1"/>
+          </a:fontRef>
+        </p:style>
+      </p:cxnSp>
+      <p:cxnSp>
+        <p:nvCxnSpPr>
+          <p:cNvPr id="185" name="直接箭头连接符 184">
+            <a:extLst>
+              <a:ext uri="{FF2B5EF4-FFF2-40B4-BE49-F238E27FC236}">
+                <a16:creationId xmlns:a16="http://schemas.microsoft.com/office/drawing/2014/main" id="{ADC806A6-B908-490B-94B8-211ED48A8D0C}"/>
+              </a:ext>
+            </a:extLst>
+          </p:cNvPr>
+          <p:cNvCxnSpPr>
+            <a:stCxn id="128" idx="0"/>
+            <a:endCxn id="165" idx="2"/>
+          </p:cNvCxnSpPr>
+          <p:nvPr/>
+        </p:nvCxnSpPr>
+        <p:spPr>
+          <a:xfrm flipH="1" flipV="1">
+            <a:off x="10278721" y="4857946"/>
+            <a:ext cx="2157" cy="633315"/>
+          </a:xfrm>
+          <a:prstGeom prst="straightConnector1">
+            <a:avLst/>
+          </a:prstGeom>
+          <a:ln>
+            <a:prstDash val="lgDash"/>
+            <a:tailEnd type="triangle"/>
+          </a:ln>
+        </p:spPr>
+        <p:style>
+          <a:lnRef idx="1">
+            <a:schemeClr val="accent1"/>
+          </a:lnRef>
+          <a:fillRef idx="0">
+            <a:schemeClr val="accent1"/>
+          </a:fillRef>
+          <a:effectRef idx="0">
+            <a:schemeClr val="accent1"/>
+          </a:effectRef>
+          <a:fontRef idx="minor">
+            <a:schemeClr val="tx1"/>
+          </a:fontRef>
+        </p:style>
+      </p:cxnSp>
+      <p:sp>
+        <p:nvSpPr>
+          <p:cNvPr id="186" name="文本框 185">
+            <a:extLst>
+              <a:ext uri="{FF2B5EF4-FFF2-40B4-BE49-F238E27FC236}">
+                <a16:creationId xmlns:a16="http://schemas.microsoft.com/office/drawing/2014/main" id="{77E4ED37-F838-41C2-8A35-198F7FE8DD6C}"/>
+              </a:ext>
+            </a:extLst>
+          </p:cNvPr>
+          <p:cNvSpPr txBox="1"/>
+          <p:nvPr/>
+        </p:nvSpPr>
+        <p:spPr>
+          <a:xfrm>
+            <a:off x="9233251" y="1506101"/>
+            <a:ext cx="2295331" cy="369332"/>
+          </a:xfrm>
+          <a:prstGeom prst="rect">
+            <a:avLst/>
+          </a:prstGeom>
+          <a:noFill/>
+        </p:spPr>
+        <p:txBody>
+          <a:bodyPr wrap="square">
+            <a:spAutoFit/>
+          </a:bodyPr>
+          <a:lstStyle/>
+          <a:p>
+            <a:r>
+              <a:rPr lang="zh-CN" altLang="en-US" dirty="0"/>
+              <a:t>Node.CONDITION</a:t>
+            </a:r>
+          </a:p>
+        </p:txBody>
+      </p:sp>
+    </p:spTree>
+    <p:extLst>
+      <p:ext uri="{BB962C8B-B14F-4D97-AF65-F5344CB8AC3E}">
+        <p14:creationId xmlns:p14="http://schemas.microsoft.com/office/powerpoint/2010/main" val="858336934"/>
+      </p:ext>
+    </p:extLst>
+  </p:cSld>
+  <p:clrMapOvr>
+    <a:masterClrMapping/>
+  </p:clrMapOvr>
+  <mc:AlternateContent xmlns:mc="http://schemas.openxmlformats.org/markup-compatibility/2006" xmlns:p159="http://schemas.microsoft.com/office/powerpoint/2015/09/main">
+    <mc:Choice Requires="p159">
+      <p:transition xmlns:p14="http://schemas.microsoft.com/office/powerpoint/2010/main" spd="slow" p14:dur="2000">
+        <p159:morph option="byObject"/>
+      </p:transition>
+    </mc:Choice>
+    <mc:Fallback xmlns="">
+      <p:transition spd="slow">
+        <p:fade/>
+      </p:transition>
+    </mc:Fallback>
+  </mc:AlternateContent>
+</p:sld>
+</file>
+
+<file path=ppt/slides/slide4.xml><?xml version="1.0" encoding="utf-8"?>
+<p:sld xmlns:a="http://schemas.openxmlformats.org/drawingml/2006/main" xmlns:r="http://schemas.openxmlformats.org/officeDocument/2006/relationships" xmlns:p="http://schemas.openxmlformats.org/presentationml/2006/main">
+  <p:cSld>
+    <p:spTree>
+      <p:nvGrpSpPr>
+        <p:cNvPr id="1" name=""/>
+        <p:cNvGrpSpPr/>
+        <p:nvPr/>
+      </p:nvGrpSpPr>
+      <p:grpSpPr>
+        <a:xfrm>
+          <a:off x="0" y="0"/>
+          <a:ext cx="0" cy="0"/>
+          <a:chOff x="0" y="0"/>
+          <a:chExt cx="0" cy="0"/>
+        </a:xfrm>
+      </p:grpSpPr>
+      <p:sp>
+        <p:nvSpPr>
+          <p:cNvPr id="6" name="矩形 5">
+            <a:extLst>
+              <a:ext uri="{FF2B5EF4-FFF2-40B4-BE49-F238E27FC236}">
+                <a16:creationId xmlns:a16="http://schemas.microsoft.com/office/drawing/2014/main" id="{65658DEB-14A0-45D1-8828-892B616E2E74}"/>
+              </a:ext>
+            </a:extLst>
+          </p:cNvPr>
+          <p:cNvSpPr/>
+          <p:nvPr/>
+        </p:nvSpPr>
+        <p:spPr>
+          <a:xfrm>
+            <a:off x="0" y="659423"/>
+            <a:ext cx="12192000" cy="87923"/>
+          </a:xfrm>
+          <a:prstGeom prst="rect">
+            <a:avLst/>
+          </a:prstGeom>
+        </p:spPr>
+        <p:style>
+          <a:lnRef idx="2">
+            <a:schemeClr val="accent1">
+              <a:shade val="50000"/>
+            </a:schemeClr>
+          </a:lnRef>
+          <a:fillRef idx="1">
+            <a:schemeClr val="accent1"/>
+          </a:fillRef>
+          <a:effectRef idx="0">
+            <a:schemeClr val="accent1"/>
+          </a:effectRef>
+          <a:fontRef idx="minor">
+            <a:schemeClr val="lt1"/>
+          </a:fontRef>
+        </p:style>
+        <p:txBody>
+          <a:bodyPr rtlCol="0" anchor="ctr"/>
+          <a:lstStyle/>
+          <a:p>
+            <a:pPr algn="ctr"/>
+            <a:endParaRPr lang="zh-CN" altLang="en-US"/>
+          </a:p>
+        </p:txBody>
+      </p:sp>
+      <p:sp>
+        <p:nvSpPr>
+          <p:cNvPr id="7" name="文本框 6">
+            <a:extLst>
+              <a:ext uri="{FF2B5EF4-FFF2-40B4-BE49-F238E27FC236}">
+                <a16:creationId xmlns:a16="http://schemas.microsoft.com/office/drawing/2014/main" id="{B3B5AB6F-C374-4F8C-BE39-B0C067A883D3}"/>
+              </a:ext>
+            </a:extLst>
+          </p:cNvPr>
+          <p:cNvSpPr txBox="1"/>
+          <p:nvPr/>
+        </p:nvSpPr>
+        <p:spPr>
+          <a:xfrm>
+            <a:off x="0" y="123093"/>
+            <a:ext cx="2611612" cy="461665"/>
+          </a:xfrm>
+          <a:prstGeom prst="rect">
+            <a:avLst/>
+          </a:prstGeom>
+          <a:noFill/>
+        </p:spPr>
+        <p:txBody>
+          <a:bodyPr wrap="none" rtlCol="0">
+            <a:spAutoFit/>
+          </a:bodyPr>
+          <a:lstStyle/>
+          <a:p>
+            <a:r>
+              <a:rPr lang="en-US" altLang="zh-CN" sz="2400" b="1" dirty="0" err="1"/>
+              <a:t>ArrayBlockQueue</a:t>
+            </a:r>
+            <a:endParaRPr lang="zh-CN" altLang="en-US" sz="2400" b="1" dirty="0"/>
+          </a:p>
+        </p:txBody>
+      </p:sp>
+      <p:grpSp>
+        <p:nvGrpSpPr>
+          <p:cNvPr id="3" name="组合 2">
+            <a:extLst>
+              <a:ext uri="{FF2B5EF4-FFF2-40B4-BE49-F238E27FC236}">
+                <a16:creationId xmlns:a16="http://schemas.microsoft.com/office/drawing/2014/main" id="{D2545D43-5619-48B3-A6BE-1EC0C0549E7A}"/>
+              </a:ext>
+            </a:extLst>
+          </p:cNvPr>
+          <p:cNvGrpSpPr/>
+          <p:nvPr/>
+        </p:nvGrpSpPr>
+        <p:grpSpPr>
+          <a:xfrm>
+            <a:off x="1305806" y="1450731"/>
+            <a:ext cx="1430217" cy="284285"/>
+            <a:chOff x="1345223" y="1450731"/>
+            <a:chExt cx="1430217" cy="284285"/>
+          </a:xfrm>
+        </p:grpSpPr>
+        <p:sp>
+          <p:nvSpPr>
+            <p:cNvPr id="2" name="矩形 1">
+              <a:extLst>
+                <a:ext uri="{FF2B5EF4-FFF2-40B4-BE49-F238E27FC236}">
+                  <a16:creationId xmlns:a16="http://schemas.microsoft.com/office/drawing/2014/main" id="{A05D187F-BE6E-462A-990A-8D4135E28656}"/>
+                </a:ext>
+              </a:extLst>
+            </p:cNvPr>
+            <p:cNvSpPr/>
+            <p:nvPr/>
+          </p:nvSpPr>
+          <p:spPr>
+            <a:xfrm>
+              <a:off x="1345223" y="1450731"/>
+              <a:ext cx="307731" cy="281354"/>
+            </a:xfrm>
+            <a:prstGeom prst="rect">
+              <a:avLst/>
+            </a:prstGeom>
+          </p:spPr>
+          <p:style>
+            <a:lnRef idx="2">
+              <a:schemeClr val="accent1">
+                <a:shade val="50000"/>
+              </a:schemeClr>
+            </a:lnRef>
+            <a:fillRef idx="1">
+              <a:schemeClr val="accent1"/>
+            </a:fillRef>
+            <a:effectRef idx="0">
+              <a:schemeClr val="accent1"/>
+            </a:effectRef>
+            <a:fontRef idx="minor">
+              <a:schemeClr val="lt1"/>
+            </a:fontRef>
+          </p:style>
+          <p:txBody>
+            <a:bodyPr rtlCol="0" anchor="ctr"/>
+            <a:lstStyle/>
+            <a:p>
+              <a:pPr algn="ctr"/>
+              <a:endParaRPr lang="zh-CN" altLang="en-US"/>
+            </a:p>
+          </p:txBody>
+        </p:sp>
+        <p:sp>
+          <p:nvSpPr>
+            <p:cNvPr id="80" name="矩形 79">
+              <a:extLst>
+                <a:ext uri="{FF2B5EF4-FFF2-40B4-BE49-F238E27FC236}">
+                  <a16:creationId xmlns:a16="http://schemas.microsoft.com/office/drawing/2014/main" id="{A43CDD4F-53BC-4689-A8E6-B25305E52671}"/>
+                </a:ext>
+              </a:extLst>
+            </p:cNvPr>
+            <p:cNvSpPr/>
+            <p:nvPr/>
+          </p:nvSpPr>
+          <p:spPr>
+            <a:xfrm>
+              <a:off x="1717431" y="1453662"/>
+              <a:ext cx="307731" cy="281354"/>
+            </a:xfrm>
+            <a:prstGeom prst="rect">
+              <a:avLst/>
+            </a:prstGeom>
+          </p:spPr>
+          <p:style>
+            <a:lnRef idx="2">
+              <a:schemeClr val="accent1">
+                <a:shade val="50000"/>
+              </a:schemeClr>
+            </a:lnRef>
+            <a:fillRef idx="1">
+              <a:schemeClr val="accent1"/>
+            </a:fillRef>
+            <a:effectRef idx="0">
+              <a:schemeClr val="accent1"/>
+            </a:effectRef>
+            <a:fontRef idx="minor">
+              <a:schemeClr val="lt1"/>
+            </a:fontRef>
+          </p:style>
+          <p:txBody>
+            <a:bodyPr rtlCol="0" anchor="ctr"/>
+            <a:lstStyle/>
+            <a:p>
+              <a:pPr algn="ctr"/>
+              <a:endParaRPr lang="zh-CN" altLang="en-US"/>
+            </a:p>
+          </p:txBody>
+        </p:sp>
+        <p:sp>
+          <p:nvSpPr>
+            <p:cNvPr id="81" name="矩形 80">
+              <a:extLst>
+                <a:ext uri="{FF2B5EF4-FFF2-40B4-BE49-F238E27FC236}">
+                  <a16:creationId xmlns:a16="http://schemas.microsoft.com/office/drawing/2014/main" id="{1C034F47-834F-4931-9CD8-B9316AEF6953}"/>
+                </a:ext>
+              </a:extLst>
+            </p:cNvPr>
+            <p:cNvSpPr/>
+            <p:nvPr/>
+          </p:nvSpPr>
+          <p:spPr>
+            <a:xfrm>
+              <a:off x="2095501" y="1450731"/>
+              <a:ext cx="307731" cy="281354"/>
+            </a:xfrm>
+            <a:prstGeom prst="rect">
+              <a:avLst/>
+            </a:prstGeom>
+          </p:spPr>
+          <p:style>
+            <a:lnRef idx="2">
+              <a:schemeClr val="accent1">
+                <a:shade val="50000"/>
+              </a:schemeClr>
+            </a:lnRef>
+            <a:fillRef idx="1">
+              <a:schemeClr val="accent1"/>
+            </a:fillRef>
+            <a:effectRef idx="0">
+              <a:schemeClr val="accent1"/>
+            </a:effectRef>
+            <a:fontRef idx="minor">
+              <a:schemeClr val="lt1"/>
+            </a:fontRef>
+          </p:style>
+          <p:txBody>
+            <a:bodyPr rtlCol="0" anchor="ctr"/>
+            <a:lstStyle/>
+            <a:p>
+              <a:pPr algn="ctr"/>
+              <a:endParaRPr lang="zh-CN" altLang="en-US"/>
+            </a:p>
+          </p:txBody>
+        </p:sp>
+        <p:sp>
+          <p:nvSpPr>
+            <p:cNvPr id="82" name="矩形 81">
+              <a:extLst>
+                <a:ext uri="{FF2B5EF4-FFF2-40B4-BE49-F238E27FC236}">
+                  <a16:creationId xmlns:a16="http://schemas.microsoft.com/office/drawing/2014/main" id="{36E2CEE1-CA54-43FD-9BBF-A1CAF7F0DB2F}"/>
+                </a:ext>
+              </a:extLst>
+            </p:cNvPr>
+            <p:cNvSpPr/>
+            <p:nvPr/>
+          </p:nvSpPr>
+          <p:spPr>
+            <a:xfrm>
+              <a:off x="2467709" y="1450731"/>
+              <a:ext cx="307731" cy="281354"/>
+            </a:xfrm>
+            <a:prstGeom prst="rect">
+              <a:avLst/>
+            </a:prstGeom>
+          </p:spPr>
+          <p:style>
+            <a:lnRef idx="2">
+              <a:schemeClr val="accent1">
+                <a:shade val="50000"/>
+              </a:schemeClr>
+            </a:lnRef>
+            <a:fillRef idx="1">
+              <a:schemeClr val="accent1"/>
+            </a:fillRef>
+            <a:effectRef idx="0">
+              <a:schemeClr val="accent1"/>
+            </a:effectRef>
+            <a:fontRef idx="minor">
+              <a:schemeClr val="lt1"/>
+            </a:fontRef>
+          </p:style>
+          <p:txBody>
+            <a:bodyPr rtlCol="0" anchor="ctr"/>
+            <a:lstStyle/>
+            <a:p>
+              <a:pPr algn="ctr"/>
+              <a:endParaRPr lang="zh-CN" altLang="en-US"/>
+            </a:p>
+          </p:txBody>
+        </p:sp>
+      </p:grpSp>
+      <p:sp>
+        <p:nvSpPr>
+          <p:cNvPr id="4" name="文本框 3">
+            <a:extLst>
+              <a:ext uri="{FF2B5EF4-FFF2-40B4-BE49-F238E27FC236}">
+                <a16:creationId xmlns:a16="http://schemas.microsoft.com/office/drawing/2014/main" id="{F273C525-A16F-438D-906A-7E22E7F84CBF}"/>
+              </a:ext>
+            </a:extLst>
+          </p:cNvPr>
+          <p:cNvSpPr txBox="1"/>
+          <p:nvPr/>
+        </p:nvSpPr>
+        <p:spPr>
+          <a:xfrm>
+            <a:off x="9238" y="1406742"/>
+            <a:ext cx="716863" cy="369332"/>
+          </a:xfrm>
+          <a:prstGeom prst="rect">
+            <a:avLst/>
+          </a:prstGeom>
+          <a:noFill/>
+        </p:spPr>
+        <p:txBody>
+          <a:bodyPr wrap="none" rtlCol="0">
+            <a:spAutoFit/>
+          </a:bodyPr>
+          <a:lstStyle/>
+          <a:p>
+            <a:r>
+              <a:rPr lang="en-US" altLang="zh-CN" dirty="0"/>
+              <a:t>items</a:t>
+            </a:r>
+            <a:endParaRPr lang="zh-CN" altLang="en-US" dirty="0"/>
+          </a:p>
+        </p:txBody>
+      </p:sp>
+      <p:sp>
+        <p:nvSpPr>
+          <p:cNvPr id="86" name="任意多边形: 形状 85">
+            <a:extLst>
+              <a:ext uri="{FF2B5EF4-FFF2-40B4-BE49-F238E27FC236}">
+                <a16:creationId xmlns:a16="http://schemas.microsoft.com/office/drawing/2014/main" id="{61409AAA-7F68-4421-87B9-1B63717CA7B2}"/>
+              </a:ext>
+            </a:extLst>
+          </p:cNvPr>
+          <p:cNvSpPr/>
+          <p:nvPr/>
+        </p:nvSpPr>
+        <p:spPr>
+          <a:xfrm>
+            <a:off x="1918337" y="2329852"/>
+            <a:ext cx="817686" cy="1033096"/>
+          </a:xfrm>
+          <a:custGeom>
+            <a:avLst/>
+            <a:gdLst>
+              <a:gd name="connsiteX0" fmla="*/ 373102 w 817686"/>
+              <a:gd name="connsiteY0" fmla="*/ 571499 h 1033096"/>
+              <a:gd name="connsiteX1" fmla="*/ 373102 w 817686"/>
+              <a:gd name="connsiteY1" fmla="*/ 734525 h 1033096"/>
+              <a:gd name="connsiteX2" fmla="*/ 369770 w 817686"/>
+              <a:gd name="connsiteY2" fmla="*/ 735074 h 1033096"/>
+              <a:gd name="connsiteX3" fmla="*/ 308463 w 817686"/>
+              <a:gd name="connsiteY3" fmla="*/ 810528 h 1033096"/>
+              <a:gd name="connsiteX4" fmla="*/ 408842 w 817686"/>
+              <a:gd name="connsiteY4" fmla="*/ 892417 h 1033096"/>
+              <a:gd name="connsiteX5" fmla="*/ 509221 w 817686"/>
+              <a:gd name="connsiteY5" fmla="*/ 810528 h 1033096"/>
+              <a:gd name="connsiteX6" fmla="*/ 447914 w 817686"/>
+              <a:gd name="connsiteY6" fmla="*/ 735074 h 1033096"/>
+              <a:gd name="connsiteX7" fmla="*/ 441542 w 817686"/>
+              <a:gd name="connsiteY7" fmla="*/ 734024 h 1033096"/>
+              <a:gd name="connsiteX8" fmla="*/ 441542 w 817686"/>
+              <a:gd name="connsiteY8" fmla="*/ 571499 h 1033096"/>
+              <a:gd name="connsiteX9" fmla="*/ 0 w 817686"/>
+              <a:gd name="connsiteY9" fmla="*/ 430821 h 1033096"/>
+              <a:gd name="connsiteX10" fmla="*/ 817685 w 817686"/>
+              <a:gd name="connsiteY10" fmla="*/ 430821 h 1033096"/>
+              <a:gd name="connsiteX11" fmla="*/ 817685 w 817686"/>
+              <a:gd name="connsiteY11" fmla="*/ 1033096 h 1033096"/>
+              <a:gd name="connsiteX12" fmla="*/ 0 w 817686"/>
+              <a:gd name="connsiteY12" fmla="*/ 1033096 h 1033096"/>
+              <a:gd name="connsiteX13" fmla="*/ 408843 w 817686"/>
+              <a:gd name="connsiteY13" fmla="*/ 0 h 1033096"/>
+              <a:gd name="connsiteX14" fmla="*/ 817686 w 817686"/>
+              <a:gd name="connsiteY14" fmla="*/ 408843 h 1033096"/>
+              <a:gd name="connsiteX15" fmla="*/ 613264 w 817686"/>
+              <a:gd name="connsiteY15" fmla="*/ 408843 h 1033096"/>
+              <a:gd name="connsiteX16" fmla="*/ 408843 w 817686"/>
+              <a:gd name="connsiteY16" fmla="*/ 204422 h 1033096"/>
+              <a:gd name="connsiteX17" fmla="*/ 204422 w 817686"/>
+              <a:gd name="connsiteY17" fmla="*/ 408843 h 1033096"/>
+              <a:gd name="connsiteX18" fmla="*/ 0 w 817686"/>
+              <a:gd name="connsiteY18" fmla="*/ 408843 h 1033096"/>
+              <a:gd name="connsiteX19" fmla="*/ 408843 w 817686"/>
+              <a:gd name="connsiteY19" fmla="*/ 0 h 1033096"/>
+            </a:gdLst>
+            <a:ahLst/>
+            <a:cxnLst>
+              <a:cxn ang="0">
+                <a:pos x="connsiteX0" y="connsiteY0"/>
+              </a:cxn>
+              <a:cxn ang="0">
+                <a:pos x="connsiteX1" y="connsiteY1"/>
+              </a:cxn>
+              <a:cxn ang="0">
+                <a:pos x="connsiteX2" y="connsiteY2"/>
+              </a:cxn>
+              <a:cxn ang="0">
+                <a:pos x="connsiteX3" y="connsiteY3"/>
+              </a:cxn>
+              <a:cxn ang="0">
+                <a:pos x="connsiteX4" y="connsiteY4"/>
+              </a:cxn>
+              <a:cxn ang="0">
+                <a:pos x="connsiteX5" y="connsiteY5"/>
+              </a:cxn>
+              <a:cxn ang="0">
+                <a:pos x="connsiteX6" y="connsiteY6"/>
+              </a:cxn>
+              <a:cxn ang="0">
+                <a:pos x="connsiteX7" y="connsiteY7"/>
+              </a:cxn>
+              <a:cxn ang="0">
+                <a:pos x="connsiteX8" y="connsiteY8"/>
+              </a:cxn>
+              <a:cxn ang="0">
+                <a:pos x="connsiteX9" y="connsiteY9"/>
+              </a:cxn>
+              <a:cxn ang="0">
+                <a:pos x="connsiteX10" y="connsiteY10"/>
+              </a:cxn>
+              <a:cxn ang="0">
+                <a:pos x="connsiteX11" y="connsiteY11"/>
+              </a:cxn>
+              <a:cxn ang="0">
+                <a:pos x="connsiteX12" y="connsiteY12"/>
+              </a:cxn>
+              <a:cxn ang="0">
+                <a:pos x="connsiteX13" y="connsiteY13"/>
+              </a:cxn>
+              <a:cxn ang="0">
+                <a:pos x="connsiteX14" y="connsiteY14"/>
+              </a:cxn>
+              <a:cxn ang="0">
+                <a:pos x="connsiteX15" y="connsiteY15"/>
+              </a:cxn>
+              <a:cxn ang="0">
+                <a:pos x="connsiteX16" y="connsiteY16"/>
+              </a:cxn>
+              <a:cxn ang="0">
+                <a:pos x="connsiteX17" y="connsiteY17"/>
+              </a:cxn>
+              <a:cxn ang="0">
+                <a:pos x="connsiteX18" y="connsiteY18"/>
+              </a:cxn>
+              <a:cxn ang="0">
+                <a:pos x="connsiteX19" y="connsiteY19"/>
+              </a:cxn>
+            </a:cxnLst>
+            <a:rect l="l" t="t" r="r" b="b"/>
+            <a:pathLst>
+              <a:path w="817686" h="1033096">
+                <a:moveTo>
+                  <a:pt x="373102" y="571499"/>
+                </a:moveTo>
+                <a:lnTo>
+                  <a:pt x="373102" y="734525"/>
+                </a:lnTo>
+                <a:lnTo>
+                  <a:pt x="369770" y="735074"/>
+                </a:lnTo>
+                <a:cubicBezTo>
+                  <a:pt x="333743" y="747505"/>
+                  <a:pt x="308463" y="776608"/>
+                  <a:pt x="308463" y="810528"/>
+                </a:cubicBezTo>
+                <a:cubicBezTo>
+                  <a:pt x="308463" y="855754"/>
+                  <a:pt x="353404" y="892417"/>
+                  <a:pt x="408842" y="892417"/>
+                </a:cubicBezTo>
+                <a:cubicBezTo>
+                  <a:pt x="464280" y="892417"/>
+                  <a:pt x="509221" y="855754"/>
+                  <a:pt x="509221" y="810528"/>
+                </a:cubicBezTo>
+                <a:cubicBezTo>
+                  <a:pt x="509221" y="776608"/>
+                  <a:pt x="483942" y="747505"/>
+                  <a:pt x="447914" y="735074"/>
+                </a:cubicBezTo>
+                <a:lnTo>
+                  <a:pt x="441542" y="734024"/>
+                </a:lnTo>
+                <a:lnTo>
+                  <a:pt x="441542" y="571499"/>
+                </a:lnTo>
+                <a:close/>
+                <a:moveTo>
+                  <a:pt x="0" y="430821"/>
+                </a:moveTo>
+                <a:lnTo>
+                  <a:pt x="817685" y="430821"/>
+                </a:lnTo>
+                <a:lnTo>
+                  <a:pt x="817685" y="1033096"/>
+                </a:lnTo>
+                <a:lnTo>
+                  <a:pt x="0" y="1033096"/>
+                </a:lnTo>
+                <a:close/>
+                <a:moveTo>
+                  <a:pt x="408843" y="0"/>
+                </a:moveTo>
+                <a:cubicBezTo>
+                  <a:pt x="634641" y="0"/>
+                  <a:pt x="817686" y="183045"/>
+                  <a:pt x="817686" y="408843"/>
+                </a:cubicBezTo>
+                <a:lnTo>
+                  <a:pt x="613264" y="408843"/>
+                </a:lnTo>
+                <a:cubicBezTo>
+                  <a:pt x="613264" y="295944"/>
+                  <a:pt x="521742" y="204422"/>
+                  <a:pt x="408843" y="204422"/>
+                </a:cubicBezTo>
+                <a:cubicBezTo>
+                  <a:pt x="295944" y="204422"/>
+                  <a:pt x="204422" y="295944"/>
+                  <a:pt x="204422" y="408843"/>
+                </a:cubicBezTo>
+                <a:lnTo>
+                  <a:pt x="0" y="408843"/>
+                </a:lnTo>
+                <a:cubicBezTo>
+                  <a:pt x="0" y="183045"/>
+                  <a:pt x="183045" y="0"/>
+                  <a:pt x="408843" y="0"/>
+                </a:cubicBezTo>
+                <a:close/>
+              </a:path>
+            </a:pathLst>
+          </a:custGeom>
+        </p:spPr>
+        <p:style>
+          <a:lnRef idx="2">
+            <a:schemeClr val="accent1">
+              <a:shade val="50000"/>
+            </a:schemeClr>
+          </a:lnRef>
+          <a:fillRef idx="1">
+            <a:schemeClr val="accent1"/>
+          </a:fillRef>
+          <a:effectRef idx="0">
+            <a:schemeClr val="accent1"/>
+          </a:effectRef>
+          <a:fontRef idx="minor">
+            <a:schemeClr val="lt1"/>
+          </a:fontRef>
+        </p:style>
+        <p:txBody>
+          <a:bodyPr wrap="square" rtlCol="0" anchor="ctr">
+            <a:noAutofit/>
+          </a:bodyPr>
+          <a:lstStyle/>
+          <a:p>
+            <a:pPr algn="ctr"/>
+            <a:endParaRPr lang="zh-CN" altLang="en-US"/>
+          </a:p>
+        </p:txBody>
+      </p:sp>
+      <p:sp>
+        <p:nvSpPr>
+          <p:cNvPr id="11" name="文本框 10">
+            <a:extLst>
+              <a:ext uri="{FF2B5EF4-FFF2-40B4-BE49-F238E27FC236}">
+                <a16:creationId xmlns:a16="http://schemas.microsoft.com/office/drawing/2014/main" id="{9E1ACD95-77E4-480F-99E6-49F574F4F2BC}"/>
+              </a:ext>
+            </a:extLst>
+          </p:cNvPr>
+          <p:cNvSpPr txBox="1"/>
+          <p:nvPr/>
+        </p:nvSpPr>
+        <p:spPr>
+          <a:xfrm>
+            <a:off x="7282" y="2846400"/>
+            <a:ext cx="1603324" cy="369332"/>
+          </a:xfrm>
+          <a:prstGeom prst="rect">
+            <a:avLst/>
+          </a:prstGeom>
+          <a:noFill/>
+        </p:spPr>
+        <p:txBody>
+          <a:bodyPr wrap="none" rtlCol="0">
+            <a:spAutoFit/>
+          </a:bodyPr>
+          <a:lstStyle/>
+          <a:p>
+            <a:r>
+              <a:rPr lang="en-US" altLang="zh-CN" dirty="0" err="1"/>
+              <a:t>ReentrantLock</a:t>
+            </a:r>
+            <a:endParaRPr lang="zh-CN" altLang="en-US" dirty="0"/>
+          </a:p>
+        </p:txBody>
+      </p:sp>
+    </p:spTree>
+    <p:extLst>
+      <p:ext uri="{BB962C8B-B14F-4D97-AF65-F5344CB8AC3E}">
+        <p14:creationId xmlns:p14="http://schemas.microsoft.com/office/powerpoint/2010/main" val="2203064337"/>
+      </p:ext>
+    </p:extLst>
+  </p:cSld>
+  <p:clrMapOvr>
+    <a:masterClrMapping/>
+  </p:clrMapOvr>
+  <mc:AlternateContent xmlns:mc="http://schemas.openxmlformats.org/markup-compatibility/2006" xmlns:p159="http://schemas.microsoft.com/office/powerpoint/2015/09/main">
+    <mc:Choice Requires="p159">
+      <p:transition xmlns:p14="http://schemas.microsoft.com/office/powerpoint/2010/main" spd="slow" p14:dur="2000">
+        <p159:morph option="byObject"/>
+      </p:transition>
+    </mc:Choice>
+    <mc:Fallback xmlns="">
       <p:transition spd="slow">
         <p:fade/>
       </p:transition>

--- a/Programe/Java/JMM/AQS.pptx
+++ b/Programe/Java/JMM/AQS.pptx
@@ -9,6 +9,7 @@
     <p:sldId id="256" r:id="rId3"/>
     <p:sldId id="260" r:id="rId4"/>
     <p:sldId id="258" r:id="rId5"/>
+    <p:sldId id="261" r:id="rId6"/>
   </p:sldIdLst>
   <p:sldSz cx="12192000" cy="6858000"/>
   <p:notesSz cx="6858000" cy="9144000"/>
@@ -262,7 +263,7 @@
           <a:p>
             <a:fld id="{C16DEECB-7284-4F76-8FA2-9E5B615A10A5}" type="datetimeFigureOut">
               <a:rPr lang="zh-CN" altLang="en-US" smtClean="0"/>
-              <a:t>2021/4/11</a:t>
+              <a:t>2021/4/15</a:t>
             </a:fld>
             <a:endParaRPr lang="zh-CN" altLang="en-US"/>
           </a:p>
@@ -460,7 +461,7 @@
           <a:p>
             <a:fld id="{C16DEECB-7284-4F76-8FA2-9E5B615A10A5}" type="datetimeFigureOut">
               <a:rPr lang="zh-CN" altLang="en-US" smtClean="0"/>
-              <a:t>2021/4/11</a:t>
+              <a:t>2021/4/15</a:t>
             </a:fld>
             <a:endParaRPr lang="zh-CN" altLang="en-US"/>
           </a:p>
@@ -668,7 +669,7 @@
           <a:p>
             <a:fld id="{C16DEECB-7284-4F76-8FA2-9E5B615A10A5}" type="datetimeFigureOut">
               <a:rPr lang="zh-CN" altLang="en-US" smtClean="0"/>
-              <a:t>2021/4/11</a:t>
+              <a:t>2021/4/15</a:t>
             </a:fld>
             <a:endParaRPr lang="zh-CN" altLang="en-US"/>
           </a:p>
@@ -866,7 +867,7 @@
           <a:p>
             <a:fld id="{C16DEECB-7284-4F76-8FA2-9E5B615A10A5}" type="datetimeFigureOut">
               <a:rPr lang="zh-CN" altLang="en-US" smtClean="0"/>
-              <a:t>2021/4/11</a:t>
+              <a:t>2021/4/15</a:t>
             </a:fld>
             <a:endParaRPr lang="zh-CN" altLang="en-US"/>
           </a:p>
@@ -1141,7 +1142,7 @@
           <a:p>
             <a:fld id="{C16DEECB-7284-4F76-8FA2-9E5B615A10A5}" type="datetimeFigureOut">
               <a:rPr lang="zh-CN" altLang="en-US" smtClean="0"/>
-              <a:t>2021/4/11</a:t>
+              <a:t>2021/4/15</a:t>
             </a:fld>
             <a:endParaRPr lang="zh-CN" altLang="en-US"/>
           </a:p>
@@ -1406,7 +1407,7 @@
           <a:p>
             <a:fld id="{C16DEECB-7284-4F76-8FA2-9E5B615A10A5}" type="datetimeFigureOut">
               <a:rPr lang="zh-CN" altLang="en-US" smtClean="0"/>
-              <a:t>2021/4/11</a:t>
+              <a:t>2021/4/15</a:t>
             </a:fld>
             <a:endParaRPr lang="zh-CN" altLang="en-US"/>
           </a:p>
@@ -1818,7 +1819,7 @@
           <a:p>
             <a:fld id="{C16DEECB-7284-4F76-8FA2-9E5B615A10A5}" type="datetimeFigureOut">
               <a:rPr lang="zh-CN" altLang="en-US" smtClean="0"/>
-              <a:t>2021/4/11</a:t>
+              <a:t>2021/4/15</a:t>
             </a:fld>
             <a:endParaRPr lang="zh-CN" altLang="en-US"/>
           </a:p>
@@ -1959,7 +1960,7 @@
           <a:p>
             <a:fld id="{C16DEECB-7284-4F76-8FA2-9E5B615A10A5}" type="datetimeFigureOut">
               <a:rPr lang="zh-CN" altLang="en-US" smtClean="0"/>
-              <a:t>2021/4/11</a:t>
+              <a:t>2021/4/15</a:t>
             </a:fld>
             <a:endParaRPr lang="zh-CN" altLang="en-US"/>
           </a:p>
@@ -2072,7 +2073,7 @@
           <a:p>
             <a:fld id="{C16DEECB-7284-4F76-8FA2-9E5B615A10A5}" type="datetimeFigureOut">
               <a:rPr lang="zh-CN" altLang="en-US" smtClean="0"/>
-              <a:t>2021/4/11</a:t>
+              <a:t>2021/4/15</a:t>
             </a:fld>
             <a:endParaRPr lang="zh-CN" altLang="en-US"/>
           </a:p>
@@ -2383,7 +2384,7 @@
           <a:p>
             <a:fld id="{C16DEECB-7284-4F76-8FA2-9E5B615A10A5}" type="datetimeFigureOut">
               <a:rPr lang="zh-CN" altLang="en-US" smtClean="0"/>
-              <a:t>2021/4/11</a:t>
+              <a:t>2021/4/15</a:t>
             </a:fld>
             <a:endParaRPr lang="zh-CN" altLang="en-US"/>
           </a:p>
@@ -2671,7 +2672,7 @@
           <a:p>
             <a:fld id="{C16DEECB-7284-4F76-8FA2-9E5B615A10A5}" type="datetimeFigureOut">
               <a:rPr lang="zh-CN" altLang="en-US" smtClean="0"/>
-              <a:t>2021/4/11</a:t>
+              <a:t>2021/4/15</a:t>
             </a:fld>
             <a:endParaRPr lang="zh-CN" altLang="en-US"/>
           </a:p>
@@ -2912,7 +2913,7 @@
           <a:p>
             <a:fld id="{C16DEECB-7284-4F76-8FA2-9E5B615A10A5}" type="datetimeFigureOut">
               <a:rPr lang="zh-CN" altLang="en-US" smtClean="0"/>
-              <a:t>2021/4/11</a:t>
+              <a:t>2021/4/15</a:t>
             </a:fld>
             <a:endParaRPr lang="zh-CN" altLang="en-US"/>
           </a:p>
@@ -9725,6 +9726,222 @@
 </p:sld>
 </file>
 
+<file path=ppt/slides/slide5.xml><?xml version="1.0" encoding="utf-8"?>
+<p:sld xmlns:a="http://schemas.openxmlformats.org/drawingml/2006/main" xmlns:r="http://schemas.openxmlformats.org/officeDocument/2006/relationships" xmlns:p="http://schemas.openxmlformats.org/presentationml/2006/main">
+  <p:cSld>
+    <p:spTree>
+      <p:nvGrpSpPr>
+        <p:cNvPr id="1" name=""/>
+        <p:cNvGrpSpPr/>
+        <p:nvPr/>
+      </p:nvGrpSpPr>
+      <p:grpSpPr>
+        <a:xfrm>
+          <a:off x="0" y="0"/>
+          <a:ext cx="0" cy="0"/>
+          <a:chOff x="0" y="0"/>
+          <a:chExt cx="0" cy="0"/>
+        </a:xfrm>
+      </p:grpSpPr>
+      <p:sp>
+        <p:nvSpPr>
+          <p:cNvPr id="6" name="矩形 5">
+            <a:extLst>
+              <a:ext uri="{FF2B5EF4-FFF2-40B4-BE49-F238E27FC236}">
+                <a16:creationId xmlns:a16="http://schemas.microsoft.com/office/drawing/2014/main" id="{65658DEB-14A0-45D1-8828-892B616E2E74}"/>
+              </a:ext>
+            </a:extLst>
+          </p:cNvPr>
+          <p:cNvSpPr/>
+          <p:nvPr/>
+        </p:nvSpPr>
+        <p:spPr>
+          <a:xfrm>
+            <a:off x="0" y="659423"/>
+            <a:ext cx="12192000" cy="87923"/>
+          </a:xfrm>
+          <a:prstGeom prst="rect">
+            <a:avLst/>
+          </a:prstGeom>
+        </p:spPr>
+        <p:style>
+          <a:lnRef idx="2">
+            <a:schemeClr val="accent1">
+              <a:shade val="50000"/>
+            </a:schemeClr>
+          </a:lnRef>
+          <a:fillRef idx="1">
+            <a:schemeClr val="accent1"/>
+          </a:fillRef>
+          <a:effectRef idx="0">
+            <a:schemeClr val="accent1"/>
+          </a:effectRef>
+          <a:fontRef idx="minor">
+            <a:schemeClr val="lt1"/>
+          </a:fontRef>
+        </p:style>
+        <p:txBody>
+          <a:bodyPr rtlCol="0" anchor="ctr"/>
+          <a:lstStyle/>
+          <a:p>
+            <a:pPr algn="ctr"/>
+            <a:endParaRPr lang="zh-CN" altLang="en-US"/>
+          </a:p>
+        </p:txBody>
+      </p:sp>
+      <p:sp>
+        <p:nvSpPr>
+          <p:cNvPr id="7" name="文本框 6">
+            <a:extLst>
+              <a:ext uri="{FF2B5EF4-FFF2-40B4-BE49-F238E27FC236}">
+                <a16:creationId xmlns:a16="http://schemas.microsoft.com/office/drawing/2014/main" id="{B3B5AB6F-C374-4F8C-BE39-B0C067A883D3}"/>
+              </a:ext>
+            </a:extLst>
+          </p:cNvPr>
+          <p:cNvSpPr txBox="1"/>
+          <p:nvPr/>
+        </p:nvSpPr>
+        <p:spPr>
+          <a:xfrm>
+            <a:off x="0" y="123093"/>
+            <a:ext cx="1218603" cy="461665"/>
+          </a:xfrm>
+          <a:prstGeom prst="rect">
+            <a:avLst/>
+          </a:prstGeom>
+          <a:noFill/>
+        </p:spPr>
+        <p:txBody>
+          <a:bodyPr wrap="none" rtlCol="0">
+            <a:spAutoFit/>
+          </a:bodyPr>
+          <a:lstStyle/>
+          <a:p>
+            <a:r>
+              <a:rPr lang="en-US" altLang="zh-CN" sz="2400" b="1" dirty="0"/>
+              <a:t>Worker</a:t>
+            </a:r>
+            <a:endParaRPr lang="zh-CN" altLang="en-US" sz="2400" b="1" dirty="0"/>
+          </a:p>
+        </p:txBody>
+      </p:sp>
+      <p:sp>
+        <p:nvSpPr>
+          <p:cNvPr id="5" name="矩形 4">
+            <a:extLst>
+              <a:ext uri="{FF2B5EF4-FFF2-40B4-BE49-F238E27FC236}">
+                <a16:creationId xmlns:a16="http://schemas.microsoft.com/office/drawing/2014/main" id="{E0FE3077-3691-4C7B-9220-64ABAF865BAA}"/>
+              </a:ext>
+            </a:extLst>
+          </p:cNvPr>
+          <p:cNvSpPr/>
+          <p:nvPr/>
+        </p:nvSpPr>
+        <p:spPr>
+          <a:xfrm>
+            <a:off x="5556738" y="2690446"/>
+            <a:ext cx="3130062" cy="2171700"/>
+          </a:xfrm>
+          <a:prstGeom prst="rect">
+            <a:avLst/>
+          </a:prstGeom>
+        </p:spPr>
+        <p:style>
+          <a:lnRef idx="2">
+            <a:schemeClr val="accent1">
+              <a:shade val="50000"/>
+            </a:schemeClr>
+          </a:lnRef>
+          <a:fillRef idx="1">
+            <a:schemeClr val="accent1"/>
+          </a:fillRef>
+          <a:effectRef idx="0">
+            <a:schemeClr val="accent1"/>
+          </a:effectRef>
+          <a:fontRef idx="minor">
+            <a:schemeClr val="lt1"/>
+          </a:fontRef>
+        </p:style>
+        <p:txBody>
+          <a:bodyPr rtlCol="0" anchor="ctr"/>
+          <a:lstStyle/>
+          <a:p>
+            <a:pPr algn="ctr"/>
+            <a:endParaRPr lang="zh-CN" altLang="en-US"/>
+          </a:p>
+        </p:txBody>
+      </p:sp>
+      <p:sp>
+        <p:nvSpPr>
+          <p:cNvPr id="8" name="矩形 7">
+            <a:extLst>
+              <a:ext uri="{FF2B5EF4-FFF2-40B4-BE49-F238E27FC236}">
+                <a16:creationId xmlns:a16="http://schemas.microsoft.com/office/drawing/2014/main" id="{EDA49574-B699-42AD-B8D4-66D9959679AA}"/>
+              </a:ext>
+            </a:extLst>
+          </p:cNvPr>
+          <p:cNvSpPr/>
+          <p:nvPr/>
+        </p:nvSpPr>
+        <p:spPr>
+          <a:xfrm>
+            <a:off x="4141177" y="2690446"/>
+            <a:ext cx="1037492" cy="2171700"/>
+          </a:xfrm>
+          <a:prstGeom prst="rect">
+            <a:avLst/>
+          </a:prstGeom>
+        </p:spPr>
+        <p:style>
+          <a:lnRef idx="2">
+            <a:schemeClr val="accent1">
+              <a:shade val="50000"/>
+            </a:schemeClr>
+          </a:lnRef>
+          <a:fillRef idx="1">
+            <a:schemeClr val="accent1"/>
+          </a:fillRef>
+          <a:effectRef idx="0">
+            <a:schemeClr val="accent1"/>
+          </a:effectRef>
+          <a:fontRef idx="minor">
+            <a:schemeClr val="lt1"/>
+          </a:fontRef>
+        </p:style>
+        <p:txBody>
+          <a:bodyPr rtlCol="0" anchor="ctr"/>
+          <a:lstStyle/>
+          <a:p>
+            <a:pPr algn="ctr"/>
+            <a:endParaRPr lang="zh-CN" altLang="en-US"/>
+          </a:p>
+        </p:txBody>
+      </p:sp>
+    </p:spTree>
+    <p:extLst>
+      <p:ext uri="{BB962C8B-B14F-4D97-AF65-F5344CB8AC3E}">
+        <p14:creationId xmlns:p14="http://schemas.microsoft.com/office/powerpoint/2010/main" val="3095221229"/>
+      </p:ext>
+    </p:extLst>
+  </p:cSld>
+  <p:clrMapOvr>
+    <a:masterClrMapping/>
+  </p:clrMapOvr>
+  <mc:AlternateContent xmlns:mc="http://schemas.openxmlformats.org/markup-compatibility/2006" xmlns:p159="http://schemas.microsoft.com/office/powerpoint/2015/09/main">
+    <mc:Choice Requires="p159">
+      <p:transition xmlns:p14="http://schemas.microsoft.com/office/powerpoint/2010/main" spd="slow" p14:dur="2000">
+        <p159:morph option="byObject"/>
+      </p:transition>
+    </mc:Choice>
+    <mc:Fallback xmlns="">
+      <p:transition spd="slow">
+        <p:fade/>
+      </p:transition>
+    </mc:Fallback>
+  </mc:AlternateContent>
+</p:sld>
+</file>
+
 <file path=ppt/theme/theme1.xml><?xml version="1.0" encoding="utf-8"?>
 <a:theme xmlns:a="http://schemas.openxmlformats.org/drawingml/2006/main" name="Office 主题​​">
   <a:themeElements>
